--- a/Pag apresentação.pptx
+++ b/Pag apresentação.pptx
@@ -7,15 +7,16 @@
   <p:sldIdLst>
     <p:sldId id="260" r:id="rId2"/>
     <p:sldId id="270" r:id="rId3"/>
-    <p:sldId id="261" r:id="rId4"/>
-    <p:sldId id="263" r:id="rId5"/>
-    <p:sldId id="264" r:id="rId6"/>
-    <p:sldId id="266" r:id="rId7"/>
-    <p:sldId id="273" r:id="rId8"/>
-    <p:sldId id="274" r:id="rId9"/>
-    <p:sldId id="275" r:id="rId10"/>
-    <p:sldId id="276" r:id="rId11"/>
-    <p:sldId id="271" r:id="rId12"/>
+    <p:sldId id="277" r:id="rId4"/>
+    <p:sldId id="261" r:id="rId5"/>
+    <p:sldId id="263" r:id="rId6"/>
+    <p:sldId id="264" r:id="rId7"/>
+    <p:sldId id="266" r:id="rId8"/>
+    <p:sldId id="273" r:id="rId9"/>
+    <p:sldId id="274" r:id="rId10"/>
+    <p:sldId id="275" r:id="rId11"/>
+    <p:sldId id="276" r:id="rId12"/>
+    <p:sldId id="271" r:id="rId13"/>
   </p:sldIdLst>
   <p:sldSz cx="12192000" cy="6858000"/>
   <p:notesSz cx="6858000" cy="9144000"/>
@@ -126,7 +127,9 @@
 <p1510:revInfo xmlns:a="http://schemas.openxmlformats.org/drawingml/2006/main" xmlns:r="http://schemas.openxmlformats.org/officeDocument/2006/relationships" xmlns:p1510="http://schemas.microsoft.com/office/powerpoint/2015/10/main">
   <p1510:revLst>
     <p1510:client id="{241663F2-E587-29E9-0CD4-E55E5B893816}" v="3" dt="2021-08-13T18:57:45.651"/>
+    <p1510:client id="{35E7CFD2-7AD2-3A05-6968-A057ED561726}" v="3" dt="2021-08-18T11:31:44.858"/>
     <p1510:client id="{AD87CF13-EA30-84B4-2814-60964BD61078}" v="4742" dt="2021-08-16T18:28:41.821"/>
+    <p1510:client id="{C3BC8BE6-0986-C9C8-A619-97DBCC1AFF7D}" v="37" dt="2021-08-17T15:31:22.540"/>
     <p1510:client id="{F137F3EE-CB81-45A2-A73F-E24C2B5C6AA2}" v="21" dt="2021-08-11T18:13:15.530"/>
   </p1510:revLst>
 </p1510:revInfo>
@@ -263,7 +266,7 @@
           <a:p>
             <a:fld id="{F0E51C7C-CEA3-4CAA-BE4B-344879E7C377}" type="datetimeFigureOut">
               <a:rPr lang="de-DE" smtClean="0"/>
-              <a:t>16.08.2021</a:t>
+              <a:t>18.08.2021</a:t>
             </a:fld>
             <a:endParaRPr lang="de-DE"/>
           </a:p>
@@ -433,7 +436,7 @@
           <a:p>
             <a:fld id="{F0E51C7C-CEA3-4CAA-BE4B-344879E7C377}" type="datetimeFigureOut">
               <a:rPr lang="de-DE" smtClean="0"/>
-              <a:t>16.08.2021</a:t>
+              <a:t>18.08.2021</a:t>
             </a:fld>
             <a:endParaRPr lang="de-DE"/>
           </a:p>
@@ -613,7 +616,7 @@
           <a:p>
             <a:fld id="{F0E51C7C-CEA3-4CAA-BE4B-344879E7C377}" type="datetimeFigureOut">
               <a:rPr lang="de-DE" smtClean="0"/>
-              <a:t>16.08.2021</a:t>
+              <a:t>18.08.2021</a:t>
             </a:fld>
             <a:endParaRPr lang="de-DE"/>
           </a:p>
@@ -783,7 +786,7 @@
           <a:p>
             <a:fld id="{F0E51C7C-CEA3-4CAA-BE4B-344879E7C377}" type="datetimeFigureOut">
               <a:rPr lang="de-DE" smtClean="0"/>
-              <a:t>16.08.2021</a:t>
+              <a:t>18.08.2021</a:t>
             </a:fld>
             <a:endParaRPr lang="de-DE"/>
           </a:p>
@@ -1029,7 +1032,7 @@
           <a:p>
             <a:fld id="{F0E51C7C-CEA3-4CAA-BE4B-344879E7C377}" type="datetimeFigureOut">
               <a:rPr lang="de-DE" smtClean="0"/>
-              <a:t>16.08.2021</a:t>
+              <a:t>18.08.2021</a:t>
             </a:fld>
             <a:endParaRPr lang="de-DE"/>
           </a:p>
@@ -1261,7 +1264,7 @@
           <a:p>
             <a:fld id="{F0E51C7C-CEA3-4CAA-BE4B-344879E7C377}" type="datetimeFigureOut">
               <a:rPr lang="de-DE" smtClean="0"/>
-              <a:t>16.08.2021</a:t>
+              <a:t>18.08.2021</a:t>
             </a:fld>
             <a:endParaRPr lang="de-DE"/>
           </a:p>
@@ -1628,7 +1631,7 @@
           <a:p>
             <a:fld id="{F0E51C7C-CEA3-4CAA-BE4B-344879E7C377}" type="datetimeFigureOut">
               <a:rPr lang="de-DE" smtClean="0"/>
-              <a:t>16.08.2021</a:t>
+              <a:t>18.08.2021</a:t>
             </a:fld>
             <a:endParaRPr lang="de-DE"/>
           </a:p>
@@ -1746,7 +1749,7 @@
           <a:p>
             <a:fld id="{F0E51C7C-CEA3-4CAA-BE4B-344879E7C377}" type="datetimeFigureOut">
               <a:rPr lang="de-DE" smtClean="0"/>
-              <a:t>16.08.2021</a:t>
+              <a:t>18.08.2021</a:t>
             </a:fld>
             <a:endParaRPr lang="de-DE"/>
           </a:p>
@@ -1841,7 +1844,7 @@
           <a:p>
             <a:fld id="{F0E51C7C-CEA3-4CAA-BE4B-344879E7C377}" type="datetimeFigureOut">
               <a:rPr lang="de-DE" smtClean="0"/>
-              <a:t>16.08.2021</a:t>
+              <a:t>18.08.2021</a:t>
             </a:fld>
             <a:endParaRPr lang="de-DE"/>
           </a:p>
@@ -2118,7 +2121,7 @@
           <a:p>
             <a:fld id="{F0E51C7C-CEA3-4CAA-BE4B-344879E7C377}" type="datetimeFigureOut">
               <a:rPr lang="de-DE" smtClean="0"/>
-              <a:t>16.08.2021</a:t>
+              <a:t>18.08.2021</a:t>
             </a:fld>
             <a:endParaRPr lang="de-DE"/>
           </a:p>
@@ -2371,7 +2374,7 @@
           <a:p>
             <a:fld id="{F0E51C7C-CEA3-4CAA-BE4B-344879E7C377}" type="datetimeFigureOut">
               <a:rPr lang="de-DE" smtClean="0"/>
-              <a:t>16.08.2021</a:t>
+              <a:t>18.08.2021</a:t>
             </a:fld>
             <a:endParaRPr lang="de-DE"/>
           </a:p>
@@ -2584,7 +2587,7 @@
           <a:p>
             <a:fld id="{F0E51C7C-CEA3-4CAA-BE4B-344879E7C377}" type="datetimeFigureOut">
               <a:rPr lang="de-DE" smtClean="0"/>
-              <a:t>16.08.2021</a:t>
+              <a:t>18.08.2021</a:t>
             </a:fld>
             <a:endParaRPr lang="de-DE"/>
           </a:p>
@@ -3233,12 +3236,20 @@
           <a:p>
             <a:pPr algn="r"/>
             <a:r>
+              <a:rPr lang="en-US" sz="7200" b="1" dirty="0">
+                <a:solidFill>
+                  <a:schemeClr val="bg1"/>
+                </a:solidFill>
+              </a:rPr>
+              <a:t>DESAFIO COMPASSO </a:t>
+            </a:r>
+            <a:r>
               <a:rPr lang="en-US" sz="7200" b="1">
                 <a:solidFill>
                   <a:schemeClr val="bg1"/>
                 </a:solidFill>
               </a:rPr>
-              <a:t>DESAFIO COMPASSO PAG SEGURO</a:t>
+              <a:t>PAGSEGURO</a:t>
             </a:r>
           </a:p>
         </p:txBody>
@@ -3790,6 +3801,1078 @@
 </file>
 
 <file path=ppt/slides/slide10.xml><?xml version="1.0" encoding="utf-8"?>
+<p:sld xmlns:a="http://schemas.openxmlformats.org/drawingml/2006/main" xmlns:r="http://schemas.openxmlformats.org/officeDocument/2006/relationships" xmlns:p="http://schemas.openxmlformats.org/presentationml/2006/main">
+  <p:cSld>
+    <p:bg>
+      <p:bgPr>
+        <a:solidFill>
+          <a:schemeClr val="bg1"/>
+        </a:solidFill>
+        <a:effectLst/>
+      </p:bgPr>
+    </p:bg>
+    <p:spTree>
+      <p:nvGrpSpPr>
+        <p:cNvPr id="1" name=""/>
+        <p:cNvGrpSpPr/>
+        <p:nvPr/>
+      </p:nvGrpSpPr>
+      <p:grpSpPr>
+        <a:xfrm>
+          <a:off x="0" y="0"/>
+          <a:ext cx="0" cy="0"/>
+          <a:chOff x="0" y="0"/>
+          <a:chExt cx="0" cy="0"/>
+        </a:xfrm>
+      </p:grpSpPr>
+      <p:sp useBgFill="1">
+        <p:nvSpPr>
+          <p:cNvPr id="29" name="Rectangle 28">
+            <a:extLst>
+              <a:ext uri="{FF2B5EF4-FFF2-40B4-BE49-F238E27FC236}">
+                <a16:creationId xmlns:a16="http://schemas.microsoft.com/office/drawing/2014/main" id="{33CD251C-A887-4D2F-925B-FC097198538B}"/>
+              </a:ext>
+              <a:ext uri="{C183D7F6-B498-43B3-948B-1728B52AA6E4}">
+                <adec:decorative xmlns:adec="http://schemas.microsoft.com/office/drawing/2017/decorative" val="1"/>
+              </a:ext>
+            </a:extLst>
+          </p:cNvPr>
+          <p:cNvSpPr>
+            <a:spLocks noGrp="1" noRot="1" noChangeAspect="1" noMove="1" noResize="1" noEditPoints="1" noAdjustHandles="1" noChangeArrowheads="1" noChangeShapeType="1" noTextEdit="1"/>
+          </p:cNvSpPr>
+          <p:nvPr>
+            <p:extLst>
+              <p:ext uri="{386F3935-93C4-4BCD-93E2-E3B085C9AB24}">
+                <p16:designElem xmlns:p16="http://schemas.microsoft.com/office/powerpoint/2015/main" val="1"/>
+              </p:ext>
+            </p:extLst>
+          </p:nvPr>
+        </p:nvSpPr>
+        <p:spPr>
+          <a:xfrm>
+            <a:off x="0" y="0"/>
+            <a:ext cx="12192000" cy="6858000"/>
+          </a:xfrm>
+          <a:prstGeom prst="rect">
+            <a:avLst/>
+          </a:prstGeom>
+          <a:ln>
+            <a:noFill/>
+          </a:ln>
+        </p:spPr>
+        <p:style>
+          <a:lnRef idx="2">
+            <a:schemeClr val="accent1">
+              <a:shade val="50000"/>
+            </a:schemeClr>
+          </a:lnRef>
+          <a:fillRef idx="1">
+            <a:schemeClr val="accent1"/>
+          </a:fillRef>
+          <a:effectRef idx="0">
+            <a:schemeClr val="accent1"/>
+          </a:effectRef>
+          <a:fontRef idx="minor">
+            <a:schemeClr val="lt1"/>
+          </a:fontRef>
+        </p:style>
+        <p:txBody>
+          <a:bodyPr rtlCol="0" anchor="ctr"/>
+          <a:lstStyle/>
+          <a:p>
+            <a:pPr algn="ctr"/>
+            <a:endParaRPr lang="en-US"/>
+          </a:p>
+        </p:txBody>
+      </p:sp>
+      <p:sp>
+        <p:nvSpPr>
+          <p:cNvPr id="31" name="Rectangle 30">
+            <a:extLst>
+              <a:ext uri="{FF2B5EF4-FFF2-40B4-BE49-F238E27FC236}">
+                <a16:creationId xmlns:a16="http://schemas.microsoft.com/office/drawing/2014/main" id="{B19D093C-27FB-4032-B282-42C4563F257C}"/>
+              </a:ext>
+              <a:ext uri="{C183D7F6-B498-43B3-948B-1728B52AA6E4}">
+                <adec:decorative xmlns:adec="http://schemas.microsoft.com/office/drawing/2017/decorative" val="1"/>
+              </a:ext>
+            </a:extLst>
+          </p:cNvPr>
+          <p:cNvSpPr>
+            <a:spLocks noGrp="1" noRot="1" noChangeAspect="1" noMove="1" noResize="1" noEditPoints="1" noAdjustHandles="1" noChangeArrowheads="1" noChangeShapeType="1" noTextEdit="1"/>
+          </p:cNvSpPr>
+          <p:nvPr>
+            <p:extLst>
+              <p:ext uri="{386F3935-93C4-4BCD-93E2-E3B085C9AB24}">
+                <p16:designElem xmlns:p16="http://schemas.microsoft.com/office/powerpoint/2015/main" val="1"/>
+              </p:ext>
+            </p:extLst>
+          </p:nvPr>
+        </p:nvSpPr>
+        <p:spPr>
+          <a:xfrm>
+            <a:off x="0" y="0"/>
+            <a:ext cx="4694548" cy="6858000"/>
+          </a:xfrm>
+          <a:prstGeom prst="rect">
+            <a:avLst/>
+          </a:prstGeom>
+          <a:solidFill>
+            <a:schemeClr val="tx1"/>
+          </a:solidFill>
+          <a:ln>
+            <a:noFill/>
+          </a:ln>
+        </p:spPr>
+        <p:style>
+          <a:lnRef idx="2">
+            <a:schemeClr val="accent1">
+              <a:shade val="50000"/>
+            </a:schemeClr>
+          </a:lnRef>
+          <a:fillRef idx="1">
+            <a:schemeClr val="accent1"/>
+          </a:fillRef>
+          <a:effectRef idx="0">
+            <a:schemeClr val="accent1"/>
+          </a:effectRef>
+          <a:fontRef idx="minor">
+            <a:schemeClr val="lt1"/>
+          </a:fontRef>
+        </p:style>
+        <p:txBody>
+          <a:bodyPr rtlCol="0" anchor="ctr"/>
+          <a:lstStyle/>
+          <a:p>
+            <a:pPr algn="ctr"/>
+            <a:endParaRPr lang="en-US"/>
+          </a:p>
+        </p:txBody>
+      </p:sp>
+      <p:sp>
+        <p:nvSpPr>
+          <p:cNvPr id="2" name="Título 1">
+            <a:extLst>
+              <a:ext uri="{FF2B5EF4-FFF2-40B4-BE49-F238E27FC236}">
+                <a16:creationId xmlns:a16="http://schemas.microsoft.com/office/drawing/2014/main" id="{6F17393D-D9F6-4456-9FD2-80CC3DC7C373}"/>
+              </a:ext>
+            </a:extLst>
+          </p:cNvPr>
+          <p:cNvSpPr>
+            <a:spLocks noGrp="1"/>
+          </p:cNvSpPr>
+          <p:nvPr>
+            <p:ph type="title"/>
+          </p:nvPr>
+        </p:nvSpPr>
+        <p:spPr>
+          <a:xfrm>
+            <a:off x="172559" y="1780661"/>
+            <a:ext cx="4176804" cy="1463472"/>
+          </a:xfrm>
+        </p:spPr>
+        <p:txBody>
+          <a:bodyPr anchor="t">
+            <a:normAutofit/>
+          </a:bodyPr>
+          <a:lstStyle/>
+          <a:p>
+            <a:r>
+              <a:rPr lang="pt-BR" sz="4800" b="1">
+                <a:solidFill>
+                  <a:schemeClr val="bg1"/>
+                </a:solidFill>
+                <a:ea typeface="+mj-lt"/>
+                <a:cs typeface="+mj-lt"/>
+              </a:rPr>
+              <a:t>My SQL:</a:t>
+            </a:r>
+            <a:endParaRPr lang="pt-BR" sz="4800">
+              <a:solidFill>
+                <a:schemeClr val="bg1"/>
+              </a:solidFill>
+              <a:ea typeface="+mj-lt"/>
+              <a:cs typeface="+mj-lt"/>
+            </a:endParaRPr>
+          </a:p>
+          <a:p>
+            <a:endParaRPr lang="pt-BR" sz="4800" b="1" dirty="0">
+              <a:solidFill>
+                <a:schemeClr val="bg1"/>
+              </a:solidFill>
+              <a:cs typeface="Calibri Light"/>
+            </a:endParaRPr>
+          </a:p>
+        </p:txBody>
+      </p:sp>
+      <p:grpSp>
+        <p:nvGrpSpPr>
+          <p:cNvPr id="33" name="Group 32">
+            <a:extLst>
+              <a:ext uri="{FF2B5EF4-FFF2-40B4-BE49-F238E27FC236}">
+                <a16:creationId xmlns:a16="http://schemas.microsoft.com/office/drawing/2014/main" id="{35EE815E-1BD3-4777-B652-6D98825BF66B}"/>
+              </a:ext>
+              <a:ext uri="{C183D7F6-B498-43B3-948B-1728B52AA6E4}">
+                <adec:decorative xmlns:adec="http://schemas.microsoft.com/office/drawing/2017/decorative" val="1"/>
+              </a:ext>
+            </a:extLst>
+          </p:cNvPr>
+          <p:cNvGrpSpPr>
+            <a:grpSpLocks noGrp="1" noUngrp="1" noRot="1" noChangeAspect="1" noMove="1" noResize="1"/>
+          </p:cNvGrpSpPr>
+          <p:nvPr>
+            <p:extLst>
+              <p:ext uri="{386F3935-93C4-4BCD-93E2-E3B085C9AB24}">
+                <p16:designElem xmlns:p16="http://schemas.microsoft.com/office/powerpoint/2015/main" val="1"/>
+              </p:ext>
+            </p:extLst>
+          </p:nvPr>
+        </p:nvGrpSpPr>
+        <p:grpSpPr>
+          <a:xfrm>
+            <a:off x="767290" y="681628"/>
+            <a:ext cx="1128382" cy="847206"/>
+            <a:chOff x="668003" y="1684057"/>
+            <a:chExt cx="1128382" cy="847206"/>
+          </a:xfrm>
+        </p:grpSpPr>
+        <p:sp>
+          <p:nvSpPr>
+            <p:cNvPr id="34" name="Freeform 5">
+              <a:extLst>
+                <a:ext uri="{FF2B5EF4-FFF2-40B4-BE49-F238E27FC236}">
+                  <a16:creationId xmlns:a16="http://schemas.microsoft.com/office/drawing/2014/main" id="{E6692982-4A7D-4392-87CD-F0CD4B027DDE}"/>
+                </a:ext>
+                <a:ext uri="{C183D7F6-B498-43B3-948B-1728B52AA6E4}">
+                  <adec:decorative xmlns:adec="http://schemas.microsoft.com/office/drawing/2017/decorative" val="1"/>
+                </a:ext>
+              </a:extLst>
+            </p:cNvPr>
+            <p:cNvSpPr>
+              <a:spLocks/>
+            </p:cNvSpPr>
+            <p:nvPr>
+              <p:extLst>
+                <p:ext uri="{386F3935-93C4-4BCD-93E2-E3B085C9AB24}">
+                  <p16:designElem xmlns:p16="http://schemas.microsoft.com/office/powerpoint/2015/main" val="1"/>
+                </p:ext>
+              </p:extLst>
+            </p:nvPr>
+          </p:nvSpPr>
+          <p:spPr bwMode="auto">
+            <a:xfrm>
+              <a:off x="668003" y="1935883"/>
+              <a:ext cx="675351" cy="595380"/>
+            </a:xfrm>
+            <a:custGeom>
+              <a:avLst/>
+              <a:gdLst>
+                <a:gd name="T0" fmla="*/ 225 w 785"/>
+                <a:gd name="T1" fmla="*/ 692 h 692"/>
+                <a:gd name="T2" fmla="*/ 177 w 785"/>
+                <a:gd name="T3" fmla="*/ 665 h 692"/>
+                <a:gd name="T4" fmla="*/ 9 w 785"/>
+                <a:gd name="T5" fmla="*/ 374 h 692"/>
+                <a:gd name="T6" fmla="*/ 9 w 785"/>
+                <a:gd name="T7" fmla="*/ 318 h 692"/>
+                <a:gd name="T8" fmla="*/ 177 w 785"/>
+                <a:gd name="T9" fmla="*/ 27 h 692"/>
+                <a:gd name="T10" fmla="*/ 225 w 785"/>
+                <a:gd name="T11" fmla="*/ 0 h 692"/>
+                <a:gd name="T12" fmla="*/ 561 w 785"/>
+                <a:gd name="T13" fmla="*/ 0 h 692"/>
+                <a:gd name="T14" fmla="*/ 609 w 785"/>
+                <a:gd name="T15" fmla="*/ 27 h 692"/>
+                <a:gd name="T16" fmla="*/ 777 w 785"/>
+                <a:gd name="T17" fmla="*/ 318 h 692"/>
+                <a:gd name="T18" fmla="*/ 777 w 785"/>
+                <a:gd name="T19" fmla="*/ 374 h 692"/>
+                <a:gd name="T20" fmla="*/ 609 w 785"/>
+                <a:gd name="T21" fmla="*/ 665 h 692"/>
+                <a:gd name="T22" fmla="*/ 561 w 785"/>
+                <a:gd name="T23" fmla="*/ 692 h 692"/>
+                <a:gd name="T24" fmla="*/ 225 w 785"/>
+                <a:gd name="T25" fmla="*/ 692 h 692"/>
+              </a:gdLst>
+              <a:ahLst/>
+              <a:cxnLst>
+                <a:cxn ang="0">
+                  <a:pos x="T0" y="T1"/>
+                </a:cxn>
+                <a:cxn ang="0">
+                  <a:pos x="T2" y="T3"/>
+                </a:cxn>
+                <a:cxn ang="0">
+                  <a:pos x="T4" y="T5"/>
+                </a:cxn>
+                <a:cxn ang="0">
+                  <a:pos x="T6" y="T7"/>
+                </a:cxn>
+                <a:cxn ang="0">
+                  <a:pos x="T8" y="T9"/>
+                </a:cxn>
+                <a:cxn ang="0">
+                  <a:pos x="T10" y="T11"/>
+                </a:cxn>
+                <a:cxn ang="0">
+                  <a:pos x="T12" y="T13"/>
+                </a:cxn>
+                <a:cxn ang="0">
+                  <a:pos x="T14" y="T15"/>
+                </a:cxn>
+                <a:cxn ang="0">
+                  <a:pos x="T16" y="T17"/>
+                </a:cxn>
+                <a:cxn ang="0">
+                  <a:pos x="T18" y="T19"/>
+                </a:cxn>
+                <a:cxn ang="0">
+                  <a:pos x="T20" y="T21"/>
+                </a:cxn>
+                <a:cxn ang="0">
+                  <a:pos x="T22" y="T23"/>
+                </a:cxn>
+                <a:cxn ang="0">
+                  <a:pos x="T24" y="T25"/>
+                </a:cxn>
+              </a:cxnLst>
+              <a:rect l="0" t="0" r="r" b="b"/>
+              <a:pathLst>
+                <a:path w="785" h="692">
+                  <a:moveTo>
+                    <a:pt x="225" y="692"/>
+                  </a:moveTo>
+                  <a:cubicBezTo>
+                    <a:pt x="207" y="692"/>
+                    <a:pt x="185" y="680"/>
+                    <a:pt x="177" y="665"/>
+                  </a:cubicBezTo>
+                  <a:cubicBezTo>
+                    <a:pt x="9" y="374"/>
+                    <a:pt x="9" y="374"/>
+                    <a:pt x="9" y="374"/>
+                  </a:cubicBezTo>
+                  <a:cubicBezTo>
+                    <a:pt x="0" y="358"/>
+                    <a:pt x="0" y="334"/>
+                    <a:pt x="9" y="318"/>
+                  </a:cubicBezTo>
+                  <a:cubicBezTo>
+                    <a:pt x="177" y="27"/>
+                    <a:pt x="177" y="27"/>
+                    <a:pt x="177" y="27"/>
+                  </a:cubicBezTo>
+                  <a:cubicBezTo>
+                    <a:pt x="185" y="12"/>
+                    <a:pt x="207" y="0"/>
+                    <a:pt x="225" y="0"/>
+                  </a:cubicBezTo>
+                  <a:cubicBezTo>
+                    <a:pt x="561" y="0"/>
+                    <a:pt x="561" y="0"/>
+                    <a:pt x="561" y="0"/>
+                  </a:cubicBezTo>
+                  <a:cubicBezTo>
+                    <a:pt x="578" y="0"/>
+                    <a:pt x="600" y="12"/>
+                    <a:pt x="609" y="27"/>
+                  </a:cubicBezTo>
+                  <a:cubicBezTo>
+                    <a:pt x="777" y="318"/>
+                    <a:pt x="777" y="318"/>
+                    <a:pt x="777" y="318"/>
+                  </a:cubicBezTo>
+                  <a:cubicBezTo>
+                    <a:pt x="785" y="334"/>
+                    <a:pt x="785" y="358"/>
+                    <a:pt x="777" y="374"/>
+                  </a:cubicBezTo>
+                  <a:cubicBezTo>
+                    <a:pt x="609" y="665"/>
+                    <a:pt x="609" y="665"/>
+                    <a:pt x="609" y="665"/>
+                  </a:cubicBezTo>
+                  <a:cubicBezTo>
+                    <a:pt x="600" y="680"/>
+                    <a:pt x="578" y="692"/>
+                    <a:pt x="561" y="692"/>
+                  </a:cubicBezTo>
+                  <a:lnTo>
+                    <a:pt x="225" y="692"/>
+                  </a:lnTo>
+                  <a:close/>
+                </a:path>
+              </a:pathLst>
+            </a:custGeom>
+            <a:noFill/>
+            <a:ln w="28575" cmpd="sng">
+              <a:solidFill>
+                <a:schemeClr val="bg1"/>
+              </a:solidFill>
+            </a:ln>
+          </p:spPr>
+          <p:txBody>
+            <a:bodyPr vert="horz" wrap="square" lIns="91440" tIns="45720" rIns="91440" bIns="45720" numCol="1" anchor="t" anchorCtr="0" compatLnSpc="1">
+              <a:prstTxWarp prst="textNoShape">
+                <a:avLst/>
+              </a:prstTxWarp>
+            </a:bodyPr>
+            <a:lstStyle/>
+            <a:p>
+              <a:endParaRPr lang="en-US"/>
+            </a:p>
+          </p:txBody>
+        </p:sp>
+        <p:sp>
+          <p:nvSpPr>
+            <p:cNvPr id="35" name="Freeform 5">
+              <a:extLst>
+                <a:ext uri="{FF2B5EF4-FFF2-40B4-BE49-F238E27FC236}">
+                  <a16:creationId xmlns:a16="http://schemas.microsoft.com/office/drawing/2014/main" id="{196485F7-F277-4123-AC53-98EA4C858774}"/>
+                </a:ext>
+                <a:ext uri="{C183D7F6-B498-43B3-948B-1728B52AA6E4}">
+                  <adec:decorative xmlns:adec="http://schemas.microsoft.com/office/drawing/2017/decorative" val="1"/>
+                </a:ext>
+              </a:extLst>
+            </p:cNvPr>
+            <p:cNvSpPr>
+              <a:spLocks/>
+            </p:cNvSpPr>
+            <p:nvPr>
+              <p:extLst>
+                <p:ext uri="{386F3935-93C4-4BCD-93E2-E3B085C9AB24}">
+                  <p16:designElem xmlns:p16="http://schemas.microsoft.com/office/powerpoint/2015/main" val="1"/>
+                </p:ext>
+              </p:extLst>
+            </p:nvPr>
+          </p:nvSpPr>
+          <p:spPr bwMode="auto">
+            <a:xfrm>
+              <a:off x="1245893" y="1684057"/>
+              <a:ext cx="550492" cy="485306"/>
+            </a:xfrm>
+            <a:custGeom>
+              <a:avLst/>
+              <a:gdLst>
+                <a:gd name="T0" fmla="*/ 225 w 785"/>
+                <a:gd name="T1" fmla="*/ 692 h 692"/>
+                <a:gd name="T2" fmla="*/ 177 w 785"/>
+                <a:gd name="T3" fmla="*/ 665 h 692"/>
+                <a:gd name="T4" fmla="*/ 9 w 785"/>
+                <a:gd name="T5" fmla="*/ 374 h 692"/>
+                <a:gd name="T6" fmla="*/ 9 w 785"/>
+                <a:gd name="T7" fmla="*/ 318 h 692"/>
+                <a:gd name="T8" fmla="*/ 177 w 785"/>
+                <a:gd name="T9" fmla="*/ 27 h 692"/>
+                <a:gd name="T10" fmla="*/ 225 w 785"/>
+                <a:gd name="T11" fmla="*/ 0 h 692"/>
+                <a:gd name="T12" fmla="*/ 561 w 785"/>
+                <a:gd name="T13" fmla="*/ 0 h 692"/>
+                <a:gd name="T14" fmla="*/ 609 w 785"/>
+                <a:gd name="T15" fmla="*/ 27 h 692"/>
+                <a:gd name="T16" fmla="*/ 777 w 785"/>
+                <a:gd name="T17" fmla="*/ 318 h 692"/>
+                <a:gd name="T18" fmla="*/ 777 w 785"/>
+                <a:gd name="T19" fmla="*/ 374 h 692"/>
+                <a:gd name="T20" fmla="*/ 609 w 785"/>
+                <a:gd name="T21" fmla="*/ 665 h 692"/>
+                <a:gd name="T22" fmla="*/ 561 w 785"/>
+                <a:gd name="T23" fmla="*/ 692 h 692"/>
+                <a:gd name="T24" fmla="*/ 225 w 785"/>
+                <a:gd name="T25" fmla="*/ 692 h 692"/>
+              </a:gdLst>
+              <a:ahLst/>
+              <a:cxnLst>
+                <a:cxn ang="0">
+                  <a:pos x="T0" y="T1"/>
+                </a:cxn>
+                <a:cxn ang="0">
+                  <a:pos x="T2" y="T3"/>
+                </a:cxn>
+                <a:cxn ang="0">
+                  <a:pos x="T4" y="T5"/>
+                </a:cxn>
+                <a:cxn ang="0">
+                  <a:pos x="T6" y="T7"/>
+                </a:cxn>
+                <a:cxn ang="0">
+                  <a:pos x="T8" y="T9"/>
+                </a:cxn>
+                <a:cxn ang="0">
+                  <a:pos x="T10" y="T11"/>
+                </a:cxn>
+                <a:cxn ang="0">
+                  <a:pos x="T12" y="T13"/>
+                </a:cxn>
+                <a:cxn ang="0">
+                  <a:pos x="T14" y="T15"/>
+                </a:cxn>
+                <a:cxn ang="0">
+                  <a:pos x="T16" y="T17"/>
+                </a:cxn>
+                <a:cxn ang="0">
+                  <a:pos x="T18" y="T19"/>
+                </a:cxn>
+                <a:cxn ang="0">
+                  <a:pos x="T20" y="T21"/>
+                </a:cxn>
+                <a:cxn ang="0">
+                  <a:pos x="T22" y="T23"/>
+                </a:cxn>
+                <a:cxn ang="0">
+                  <a:pos x="T24" y="T25"/>
+                </a:cxn>
+              </a:cxnLst>
+              <a:rect l="0" t="0" r="r" b="b"/>
+              <a:pathLst>
+                <a:path w="785" h="692">
+                  <a:moveTo>
+                    <a:pt x="225" y="692"/>
+                  </a:moveTo>
+                  <a:cubicBezTo>
+                    <a:pt x="207" y="692"/>
+                    <a:pt x="185" y="680"/>
+                    <a:pt x="177" y="665"/>
+                  </a:cubicBezTo>
+                  <a:cubicBezTo>
+                    <a:pt x="9" y="374"/>
+                    <a:pt x="9" y="374"/>
+                    <a:pt x="9" y="374"/>
+                  </a:cubicBezTo>
+                  <a:cubicBezTo>
+                    <a:pt x="0" y="358"/>
+                    <a:pt x="0" y="334"/>
+                    <a:pt x="9" y="318"/>
+                  </a:cubicBezTo>
+                  <a:cubicBezTo>
+                    <a:pt x="177" y="27"/>
+                    <a:pt x="177" y="27"/>
+                    <a:pt x="177" y="27"/>
+                  </a:cubicBezTo>
+                  <a:cubicBezTo>
+                    <a:pt x="185" y="12"/>
+                    <a:pt x="207" y="0"/>
+                    <a:pt x="225" y="0"/>
+                  </a:cubicBezTo>
+                  <a:cubicBezTo>
+                    <a:pt x="561" y="0"/>
+                    <a:pt x="561" y="0"/>
+                    <a:pt x="561" y="0"/>
+                  </a:cubicBezTo>
+                  <a:cubicBezTo>
+                    <a:pt x="578" y="0"/>
+                    <a:pt x="600" y="12"/>
+                    <a:pt x="609" y="27"/>
+                  </a:cubicBezTo>
+                  <a:cubicBezTo>
+                    <a:pt x="777" y="318"/>
+                    <a:pt x="777" y="318"/>
+                    <a:pt x="777" y="318"/>
+                  </a:cubicBezTo>
+                  <a:cubicBezTo>
+                    <a:pt x="785" y="334"/>
+                    <a:pt x="785" y="358"/>
+                    <a:pt x="777" y="374"/>
+                  </a:cubicBezTo>
+                  <a:cubicBezTo>
+                    <a:pt x="609" y="665"/>
+                    <a:pt x="609" y="665"/>
+                    <a:pt x="609" y="665"/>
+                  </a:cubicBezTo>
+                  <a:cubicBezTo>
+                    <a:pt x="600" y="680"/>
+                    <a:pt x="578" y="692"/>
+                    <a:pt x="561" y="692"/>
+                  </a:cubicBezTo>
+                  <a:lnTo>
+                    <a:pt x="225" y="692"/>
+                  </a:lnTo>
+                  <a:close/>
+                </a:path>
+              </a:pathLst>
+            </a:custGeom>
+            <a:noFill/>
+            <a:ln w="28575" cmpd="sng">
+              <a:solidFill>
+                <a:schemeClr val="bg1"/>
+              </a:solidFill>
+            </a:ln>
+          </p:spPr>
+          <p:txBody>
+            <a:bodyPr vert="horz" wrap="square" lIns="91440" tIns="45720" rIns="91440" bIns="45720" numCol="1" anchor="t" anchorCtr="0" compatLnSpc="1">
+              <a:prstTxWarp prst="textNoShape">
+                <a:avLst/>
+              </a:prstTxWarp>
+            </a:bodyPr>
+            <a:lstStyle/>
+            <a:p>
+              <a:endParaRPr lang="en-US"/>
+            </a:p>
+          </p:txBody>
+        </p:sp>
+      </p:grpSp>
+      <p:sp>
+        <p:nvSpPr>
+          <p:cNvPr id="3" name="Espaço Reservado para Conteúdo 2">
+            <a:extLst>
+              <a:ext uri="{FF2B5EF4-FFF2-40B4-BE49-F238E27FC236}">
+                <a16:creationId xmlns:a16="http://schemas.microsoft.com/office/drawing/2014/main" id="{48DAFA45-A0A4-42EB-90E2-25DDBD84D49F}"/>
+              </a:ext>
+            </a:extLst>
+          </p:cNvPr>
+          <p:cNvSpPr>
+            <a:spLocks noGrp="1"/>
+          </p:cNvSpPr>
+          <p:nvPr>
+            <p:ph idx="1"/>
+          </p:nvPr>
+        </p:nvSpPr>
+        <p:spPr>
+          <a:xfrm>
+            <a:off x="469924" y="2955658"/>
+            <a:ext cx="3582072" cy="3211421"/>
+          </a:xfrm>
+        </p:spPr>
+        <p:txBody>
+          <a:bodyPr vert="horz" lIns="91440" tIns="45720" rIns="91440" bIns="45720" rtlCol="0" anchor="t">
+            <a:normAutofit/>
+          </a:bodyPr>
+          <a:lstStyle/>
+          <a:p>
+            <a:pPr>
+              <a:buNone/>
+            </a:pPr>
+            <a:r>
+              <a:rPr lang="pt-BR" sz="2000">
+                <a:solidFill>
+                  <a:srgbClr val="FFFFFF"/>
+                </a:solidFill>
+                <a:ea typeface="+mn-lt"/>
+                <a:cs typeface="+mn-lt"/>
+              </a:rPr>
+              <a:t>1- Criados dois schemas (db e analytic); </a:t>
+            </a:r>
+            <a:endParaRPr lang="pt-BR" sz="2000" dirty="0">
+              <a:ea typeface="+mn-lt"/>
+              <a:cs typeface="+mn-lt"/>
+            </a:endParaRPr>
+          </a:p>
+          <a:p>
+            <a:pPr lvl="1"/>
+            <a:r>
+              <a:rPr lang="pt-BR" sz="1600">
+                <a:solidFill>
+                  <a:srgbClr val="FFFFFF"/>
+                </a:solidFill>
+                <a:ea typeface="+mn-lt"/>
+                <a:cs typeface="+mn-lt"/>
+              </a:rPr>
+              <a:t>Db (dados brutos)</a:t>
+            </a:r>
+            <a:endParaRPr lang="pt-BR" sz="1600" dirty="0">
+              <a:solidFill>
+                <a:srgbClr val="FFFFFF"/>
+              </a:solidFill>
+              <a:ea typeface="+mn-lt"/>
+              <a:cs typeface="+mn-lt"/>
+            </a:endParaRPr>
+          </a:p>
+          <a:p>
+            <a:pPr lvl="1"/>
+            <a:r>
+              <a:rPr lang="pt-BR" sz="1600">
+                <a:solidFill>
+                  <a:srgbClr val="FFFFFF"/>
+                </a:solidFill>
+                <a:ea typeface="+mn-lt"/>
+                <a:cs typeface="+mn-lt"/>
+              </a:rPr>
+              <a:t>Analityc (três tabelas, duas fato e uma dimensão)</a:t>
+            </a:r>
+            <a:endParaRPr lang="pt-BR" sz="1600" dirty="0">
+              <a:solidFill>
+                <a:srgbClr val="FFFFFF"/>
+              </a:solidFill>
+              <a:ea typeface="+mn-lt"/>
+              <a:cs typeface="+mn-lt"/>
+            </a:endParaRPr>
+          </a:p>
+          <a:p>
+            <a:pPr>
+              <a:buNone/>
+            </a:pPr>
+            <a:endParaRPr lang="pt-BR" sz="2000" dirty="0">
+              <a:solidFill>
+                <a:srgbClr val="000000"/>
+              </a:solidFill>
+              <a:ea typeface="+mn-lt"/>
+              <a:cs typeface="+mn-lt"/>
+            </a:endParaRPr>
+          </a:p>
+          <a:p>
+            <a:pPr>
+              <a:buNone/>
+            </a:pPr>
+            <a:r>
+              <a:rPr lang="pt-BR" sz="2000" dirty="0">
+                <a:solidFill>
+                  <a:srgbClr val="FFFFFF"/>
+                </a:solidFill>
+                <a:ea typeface="+mn-lt"/>
+                <a:cs typeface="+mn-lt"/>
+              </a:rPr>
+              <a:t>2- Procedure para injestão de dados no </a:t>
+            </a:r>
+            <a:r>
+              <a:rPr lang="pt-BR" sz="2000">
+                <a:solidFill>
+                  <a:srgbClr val="FFFFFF"/>
+                </a:solidFill>
+                <a:ea typeface="+mn-lt"/>
+                <a:cs typeface="+mn-lt"/>
+              </a:rPr>
+              <a:t>schema analytic; </a:t>
+            </a:r>
+            <a:endParaRPr lang="pt-BR">
+              <a:cs typeface="Calibri" panose="020F0502020204030204"/>
+            </a:endParaRPr>
+          </a:p>
+        </p:txBody>
+      </p:sp>
+      <p:pic>
+        <p:nvPicPr>
+          <p:cNvPr id="5" name="Imagem 7" descr="Logotipo&#10;&#10;Descrição gerada automaticamente">
+            <a:extLst>
+              <a:ext uri="{FF2B5EF4-FFF2-40B4-BE49-F238E27FC236}">
+                <a16:creationId xmlns:a16="http://schemas.microsoft.com/office/drawing/2014/main" id="{B05D835D-9EF7-4E0F-BB47-1DC68A5DBB52}"/>
+              </a:ext>
+            </a:extLst>
+          </p:cNvPr>
+          <p:cNvPicPr>
+            <a:picLocks noChangeAspect="1"/>
+          </p:cNvPicPr>
+          <p:nvPr/>
+        </p:nvPicPr>
+        <p:blipFill>
+          <a:blip r:embed="rId2"/>
+          <a:stretch>
+            <a:fillRect/>
+          </a:stretch>
+        </p:blipFill>
+        <p:spPr>
+          <a:xfrm>
+            <a:off x="3380077" y="-182058"/>
+            <a:ext cx="1237786" cy="1237786"/>
+          </a:xfrm>
+          <a:prstGeom prst="rect">
+            <a:avLst/>
+          </a:prstGeom>
+        </p:spPr>
+      </p:pic>
+      <p:pic>
+        <p:nvPicPr>
+          <p:cNvPr id="6" name="Imagem 4" descr="Diagrama&#10;&#10;Descrição gerada automaticamente">
+            <a:extLst>
+              <a:ext uri="{FF2B5EF4-FFF2-40B4-BE49-F238E27FC236}">
+                <a16:creationId xmlns:a16="http://schemas.microsoft.com/office/drawing/2014/main" id="{783B1FE3-952C-4A97-BA69-A45190166F74}"/>
+              </a:ext>
+            </a:extLst>
+          </p:cNvPr>
+          <p:cNvPicPr>
+            <a:picLocks noChangeAspect="1"/>
+          </p:cNvPicPr>
+          <p:nvPr/>
+        </p:nvPicPr>
+        <p:blipFill>
+          <a:blip r:embed="rId3"/>
+          <a:stretch>
+            <a:fillRect/>
+          </a:stretch>
+        </p:blipFill>
+        <p:spPr>
+          <a:xfrm>
+            <a:off x="4886543" y="2825749"/>
+            <a:ext cx="7133790" cy="3196432"/>
+          </a:xfrm>
+          <a:prstGeom prst="rect">
+            <a:avLst/>
+          </a:prstGeom>
+        </p:spPr>
+      </p:pic>
+      <p:pic>
+        <p:nvPicPr>
+          <p:cNvPr id="7" name="Imagem 8" descr="Interface gráfica do usuário, Texto, Aplicativo&#10;&#10;Descrição gerada automaticamente">
+            <a:extLst>
+              <a:ext uri="{FF2B5EF4-FFF2-40B4-BE49-F238E27FC236}">
+                <a16:creationId xmlns:a16="http://schemas.microsoft.com/office/drawing/2014/main" id="{05670DF5-5858-44BE-AC90-A95D999DA92A}"/>
+              </a:ext>
+            </a:extLst>
+          </p:cNvPr>
+          <p:cNvPicPr>
+            <a:picLocks noChangeAspect="1"/>
+          </p:cNvPicPr>
+          <p:nvPr/>
+        </p:nvPicPr>
+        <p:blipFill>
+          <a:blip r:embed="rId4"/>
+          <a:stretch>
+            <a:fillRect/>
+          </a:stretch>
+        </p:blipFill>
+        <p:spPr>
+          <a:xfrm>
+            <a:off x="5629276" y="375835"/>
+            <a:ext cx="5660230" cy="1903423"/>
+          </a:xfrm>
+          <a:prstGeom prst="rect">
+            <a:avLst/>
+          </a:prstGeom>
+        </p:spPr>
+      </p:pic>
+    </p:spTree>
+    <p:extLst>
+      <p:ext uri="{BB962C8B-B14F-4D97-AF65-F5344CB8AC3E}">
+        <p14:creationId xmlns:p14="http://schemas.microsoft.com/office/powerpoint/2010/main" val="1377711742"/>
+      </p:ext>
+    </p:extLst>
+  </p:cSld>
+  <p:clrMapOvr>
+    <a:masterClrMapping/>
+  </p:clrMapOvr>
+  <p:transition spd="slow">
+    <p:push dir="u"/>
+  </p:transition>
+  <p:timing>
+    <p:tnLst>
+      <p:par>
+        <p:cTn id="1" dur="indefinite" restart="never" nodeType="tmRoot">
+          <p:childTnLst>
+            <p:seq concurrent="1" nextAc="seek">
+              <p:cTn id="2" dur="indefinite" nodeType="mainSeq">
+                <p:childTnLst>
+                  <p:par>
+                    <p:cTn id="3" fill="hold">
+                      <p:stCondLst>
+                        <p:cond delay="indefinite"/>
+                      </p:stCondLst>
+                      <p:childTnLst>
+                        <p:par>
+                          <p:cTn id="4" fill="hold">
+                            <p:stCondLst>
+                              <p:cond delay="0"/>
+                            </p:stCondLst>
+                            <p:childTnLst>
+                              <p:par>
+                                <p:cTn id="5" presetID="55" presetClass="entr" presetSubtype="0" fill="hold" nodeType="clickEffect">
+                                  <p:stCondLst>
+                                    <p:cond delay="0"/>
+                                  </p:stCondLst>
+                                  <p:childTnLst>
+                                    <p:set>
+                                      <p:cBhvr>
+                                        <p:cTn id="6" dur="1" fill="hold">
+                                          <p:stCondLst>
+                                            <p:cond delay="0"/>
+                                          </p:stCondLst>
+                                        </p:cTn>
+                                        <p:tgtEl>
+                                          <p:spTgt spid="7"/>
+                                        </p:tgtEl>
+                                        <p:attrNameLst>
+                                          <p:attrName>style.visibility</p:attrName>
+                                        </p:attrNameLst>
+                                      </p:cBhvr>
+                                      <p:to>
+                                        <p:strVal val="visible"/>
+                                      </p:to>
+                                    </p:set>
+                                    <p:anim calcmode="lin" valueType="num">
+                                      <p:cBhvr>
+                                        <p:cTn id="7" dur="1000" fill="hold"/>
+                                        <p:tgtEl>
+                                          <p:spTgt spid="7"/>
+                                        </p:tgtEl>
+                                        <p:attrNameLst>
+                                          <p:attrName>ppt_w</p:attrName>
+                                        </p:attrNameLst>
+                                      </p:cBhvr>
+                                      <p:tavLst>
+                                        <p:tav tm="0">
+                                          <p:val>
+                                            <p:strVal val="#ppt_w*0.70"/>
+                                          </p:val>
+                                        </p:tav>
+                                        <p:tav tm="100000">
+                                          <p:val>
+                                            <p:strVal val="#ppt_w"/>
+                                          </p:val>
+                                        </p:tav>
+                                      </p:tavLst>
+                                    </p:anim>
+                                    <p:anim calcmode="lin" valueType="num">
+                                      <p:cBhvr>
+                                        <p:cTn id="8" dur="1000" fill="hold"/>
+                                        <p:tgtEl>
+                                          <p:spTgt spid="7"/>
+                                        </p:tgtEl>
+                                        <p:attrNameLst>
+                                          <p:attrName>ppt_h</p:attrName>
+                                        </p:attrNameLst>
+                                      </p:cBhvr>
+                                      <p:tavLst>
+                                        <p:tav tm="0">
+                                          <p:val>
+                                            <p:strVal val="#ppt_h"/>
+                                          </p:val>
+                                        </p:tav>
+                                        <p:tav tm="100000">
+                                          <p:val>
+                                            <p:strVal val="#ppt_h"/>
+                                          </p:val>
+                                        </p:tav>
+                                      </p:tavLst>
+                                    </p:anim>
+                                    <p:animEffect transition="in" filter="fade">
+                                      <p:cBhvr>
+                                        <p:cTn id="9" dur="1000"/>
+                                        <p:tgtEl>
+                                          <p:spTgt spid="7"/>
+                                        </p:tgtEl>
+                                      </p:cBhvr>
+                                    </p:animEffect>
+                                  </p:childTnLst>
+                                </p:cTn>
+                              </p:par>
+                            </p:childTnLst>
+                          </p:cTn>
+                        </p:par>
+                      </p:childTnLst>
+                    </p:cTn>
+                  </p:par>
+                  <p:par>
+                    <p:cTn id="10" fill="hold">
+                      <p:stCondLst>
+                        <p:cond delay="indefinite"/>
+                      </p:stCondLst>
+                      <p:childTnLst>
+                        <p:par>
+                          <p:cTn id="11" fill="hold">
+                            <p:stCondLst>
+                              <p:cond delay="0"/>
+                            </p:stCondLst>
+                            <p:childTnLst>
+                              <p:par>
+                                <p:cTn id="12" presetID="55" presetClass="entr" presetSubtype="0" fill="hold" nodeType="clickEffect">
+                                  <p:stCondLst>
+                                    <p:cond delay="0"/>
+                                  </p:stCondLst>
+                                  <p:childTnLst>
+                                    <p:set>
+                                      <p:cBhvr>
+                                        <p:cTn id="13" dur="1" fill="hold">
+                                          <p:stCondLst>
+                                            <p:cond delay="0"/>
+                                          </p:stCondLst>
+                                        </p:cTn>
+                                        <p:tgtEl>
+                                          <p:spTgt spid="6"/>
+                                        </p:tgtEl>
+                                        <p:attrNameLst>
+                                          <p:attrName>style.visibility</p:attrName>
+                                        </p:attrNameLst>
+                                      </p:cBhvr>
+                                      <p:to>
+                                        <p:strVal val="visible"/>
+                                      </p:to>
+                                    </p:set>
+                                    <p:anim calcmode="lin" valueType="num">
+                                      <p:cBhvr>
+                                        <p:cTn id="14" dur="1000" fill="hold"/>
+                                        <p:tgtEl>
+                                          <p:spTgt spid="6"/>
+                                        </p:tgtEl>
+                                        <p:attrNameLst>
+                                          <p:attrName>ppt_w</p:attrName>
+                                        </p:attrNameLst>
+                                      </p:cBhvr>
+                                      <p:tavLst>
+                                        <p:tav tm="0">
+                                          <p:val>
+                                            <p:strVal val="#ppt_w*0.70"/>
+                                          </p:val>
+                                        </p:tav>
+                                        <p:tav tm="100000">
+                                          <p:val>
+                                            <p:strVal val="#ppt_w"/>
+                                          </p:val>
+                                        </p:tav>
+                                      </p:tavLst>
+                                    </p:anim>
+                                    <p:anim calcmode="lin" valueType="num">
+                                      <p:cBhvr>
+                                        <p:cTn id="15" dur="1000" fill="hold"/>
+                                        <p:tgtEl>
+                                          <p:spTgt spid="6"/>
+                                        </p:tgtEl>
+                                        <p:attrNameLst>
+                                          <p:attrName>ppt_h</p:attrName>
+                                        </p:attrNameLst>
+                                      </p:cBhvr>
+                                      <p:tavLst>
+                                        <p:tav tm="0">
+                                          <p:val>
+                                            <p:strVal val="#ppt_h"/>
+                                          </p:val>
+                                        </p:tav>
+                                        <p:tav tm="100000">
+                                          <p:val>
+                                            <p:strVal val="#ppt_h"/>
+                                          </p:val>
+                                        </p:tav>
+                                      </p:tavLst>
+                                    </p:anim>
+                                    <p:animEffect transition="in" filter="fade">
+                                      <p:cBhvr>
+                                        <p:cTn id="16" dur="1000"/>
+                                        <p:tgtEl>
+                                          <p:spTgt spid="6"/>
+                                        </p:tgtEl>
+                                      </p:cBhvr>
+                                    </p:animEffect>
+                                  </p:childTnLst>
+                                </p:cTn>
+                              </p:par>
+                            </p:childTnLst>
+                          </p:cTn>
+                        </p:par>
+                      </p:childTnLst>
+                    </p:cTn>
+                  </p:par>
+                </p:childTnLst>
+              </p:cTn>
+              <p:prevCondLst>
+                <p:cond evt="onPrev" delay="0">
+                  <p:tgtEl>
+                    <p:sldTgt/>
+                  </p:tgtEl>
+                </p:cond>
+              </p:prevCondLst>
+              <p:nextCondLst>
+                <p:cond evt="onNext" delay="0">
+                  <p:tgtEl>
+                    <p:sldTgt/>
+                  </p:tgtEl>
+                </p:cond>
+              </p:nextCondLst>
+            </p:seq>
+          </p:childTnLst>
+        </p:cTn>
+      </p:par>
+    </p:tnLst>
+  </p:timing>
+</p:sld>
+</file>
+
+<file path=ppt/slides/slide11.xml><?xml version="1.0" encoding="utf-8"?>
 <p:sld xmlns:a="http://schemas.openxmlformats.org/drawingml/2006/main" xmlns:r="http://schemas.openxmlformats.org/officeDocument/2006/relationships" xmlns:p="http://schemas.openxmlformats.org/presentationml/2006/main">
   <p:cSld>
     <p:bg>
@@ -4893,7 +5976,7 @@
 </p:sld>
 </file>
 
-<file path=ppt/slides/slide11.xml><?xml version="1.0" encoding="utf-8"?>
+<file path=ppt/slides/slide12.xml><?xml version="1.0" encoding="utf-8"?>
 <p:sld xmlns:a="http://schemas.openxmlformats.org/drawingml/2006/main" xmlns:r="http://schemas.openxmlformats.org/officeDocument/2006/relationships" xmlns:p="http://schemas.openxmlformats.org/presentationml/2006/main">
   <p:cSld>
     <p:bg>
@@ -6566,6 +7649,1046 @@
 </file>
 
 <file path=ppt/slides/slide3.xml><?xml version="1.0" encoding="utf-8"?>
+<p:sld xmlns:a="http://schemas.openxmlformats.org/drawingml/2006/main" xmlns:r="http://schemas.openxmlformats.org/officeDocument/2006/relationships" xmlns:p="http://schemas.openxmlformats.org/presentationml/2006/main">
+  <p:cSld>
+    <p:bg>
+      <p:bgPr>
+        <a:solidFill>
+          <a:schemeClr val="bg1"/>
+        </a:solidFill>
+        <a:effectLst/>
+      </p:bgPr>
+    </p:bg>
+    <p:spTree>
+      <p:nvGrpSpPr>
+        <p:cNvPr id="1" name=""/>
+        <p:cNvGrpSpPr/>
+        <p:nvPr/>
+      </p:nvGrpSpPr>
+      <p:grpSpPr>
+        <a:xfrm>
+          <a:off x="0" y="0"/>
+          <a:ext cx="0" cy="0"/>
+          <a:chOff x="0" y="0"/>
+          <a:chExt cx="0" cy="0"/>
+        </a:xfrm>
+      </p:grpSpPr>
+      <p:sp useBgFill="1">
+        <p:nvSpPr>
+          <p:cNvPr id="10" name="Rectangle 11">
+            <a:extLst>
+              <a:ext uri="{FF2B5EF4-FFF2-40B4-BE49-F238E27FC236}">
+                <a16:creationId xmlns:a16="http://schemas.microsoft.com/office/drawing/2014/main" id="{16F9E488-0718-4E1E-9D12-26779F606252}"/>
+              </a:ext>
+              <a:ext uri="{C183D7F6-B498-43B3-948B-1728B52AA6E4}">
+                <adec:decorative xmlns:adec="http://schemas.microsoft.com/office/drawing/2017/decorative" val="1"/>
+              </a:ext>
+            </a:extLst>
+          </p:cNvPr>
+          <p:cNvSpPr>
+            <a:spLocks noGrp="1" noRot="1" noChangeAspect="1" noMove="1" noResize="1" noEditPoints="1" noAdjustHandles="1" noChangeArrowheads="1" noChangeShapeType="1" noTextEdit="1"/>
+          </p:cNvSpPr>
+          <p:nvPr>
+            <p:extLst>
+              <p:ext uri="{386F3935-93C4-4BCD-93E2-E3B085C9AB24}">
+                <p16:designElem xmlns:p16="http://schemas.microsoft.com/office/powerpoint/2015/main" val="1"/>
+              </p:ext>
+            </p:extLst>
+          </p:nvPr>
+        </p:nvSpPr>
+        <p:spPr>
+          <a:xfrm>
+            <a:off x="0" y="0"/>
+            <a:ext cx="12192000" cy="6858000"/>
+          </a:xfrm>
+          <a:prstGeom prst="rect">
+            <a:avLst/>
+          </a:prstGeom>
+          <a:ln>
+            <a:noFill/>
+          </a:ln>
+        </p:spPr>
+        <p:style>
+          <a:lnRef idx="2">
+            <a:schemeClr val="accent1">
+              <a:shade val="50000"/>
+            </a:schemeClr>
+          </a:lnRef>
+          <a:fillRef idx="1">
+            <a:schemeClr val="accent1"/>
+          </a:fillRef>
+          <a:effectRef idx="0">
+            <a:schemeClr val="accent1"/>
+          </a:effectRef>
+          <a:fontRef idx="minor">
+            <a:schemeClr val="lt1"/>
+          </a:fontRef>
+        </p:style>
+        <p:txBody>
+          <a:bodyPr rtlCol="0" anchor="ctr"/>
+          <a:lstStyle/>
+          <a:p>
+            <a:pPr algn="ctr"/>
+            <a:endParaRPr lang="en-US"/>
+          </a:p>
+        </p:txBody>
+      </p:sp>
+      <p:sp>
+        <p:nvSpPr>
+          <p:cNvPr id="4" name="Título 3">
+            <a:extLst>
+              <a:ext uri="{FF2B5EF4-FFF2-40B4-BE49-F238E27FC236}">
+                <a16:creationId xmlns:a16="http://schemas.microsoft.com/office/drawing/2014/main" id="{5A60F9BE-21BC-444B-AF8A-9BEAD79A52B2}"/>
+              </a:ext>
+            </a:extLst>
+          </p:cNvPr>
+          <p:cNvSpPr>
+            <a:spLocks noGrp="1"/>
+          </p:cNvSpPr>
+          <p:nvPr>
+            <p:ph type="title"/>
+          </p:nvPr>
+        </p:nvSpPr>
+        <p:spPr>
+          <a:xfrm>
+            <a:off x="317830" y="2140228"/>
+            <a:ext cx="5287795" cy="643306"/>
+          </a:xfrm>
+        </p:spPr>
+        <p:txBody>
+          <a:bodyPr vert="horz" lIns="91440" tIns="45720" rIns="91440" bIns="45720" rtlCol="0" anchor="t">
+            <a:normAutofit/>
+          </a:bodyPr>
+          <a:lstStyle/>
+          <a:p>
+            <a:pPr algn="just"/>
+            <a:r>
+              <a:rPr lang="en-US" sz="2300" b="1" dirty="0" err="1">
+                <a:cs typeface="Calibri Light"/>
+              </a:rPr>
+              <a:t>Missão</a:t>
+            </a:r>
+            <a:r>
+              <a:rPr lang="en-US" sz="2300" b="1" dirty="0">
+                <a:cs typeface="Calibri Light"/>
+              </a:rPr>
+              <a:t> e Valores:</a:t>
+            </a:r>
+          </a:p>
+        </p:txBody>
+      </p:sp>
+      <p:sp>
+        <p:nvSpPr>
+          <p:cNvPr id="11" name="Freeform: Shape 13">
+            <a:extLst>
+              <a:ext uri="{FF2B5EF4-FFF2-40B4-BE49-F238E27FC236}">
+                <a16:creationId xmlns:a16="http://schemas.microsoft.com/office/drawing/2014/main" id="{FA6F8ABB-6C5D-4349-9E1B-198D1ABFA804}"/>
+              </a:ext>
+              <a:ext uri="{C183D7F6-B498-43B3-948B-1728B52AA6E4}">
+                <adec:decorative xmlns:adec="http://schemas.microsoft.com/office/drawing/2017/decorative" val="1"/>
+              </a:ext>
+            </a:extLst>
+          </p:cNvPr>
+          <p:cNvSpPr>
+            <a:spLocks noGrp="1" noRot="1" noChangeAspect="1" noMove="1" noResize="1" noEditPoints="1" noAdjustHandles="1" noChangeArrowheads="1" noChangeShapeType="1" noTextEdit="1"/>
+          </p:cNvSpPr>
+          <p:nvPr>
+            <p:extLst>
+              <p:ext uri="{386F3935-93C4-4BCD-93E2-E3B085C9AB24}">
+                <p16:designElem xmlns:p16="http://schemas.microsoft.com/office/powerpoint/2015/main" val="1"/>
+              </p:ext>
+            </p:extLst>
+          </p:nvPr>
+        </p:nvSpPr>
+        <p:spPr>
+          <a:xfrm>
+            <a:off x="6124493" y="1333265"/>
+            <a:ext cx="4840399" cy="4290450"/>
+          </a:xfrm>
+          <a:custGeom>
+            <a:avLst/>
+            <a:gdLst>
+              <a:gd name="connsiteX0" fmla="*/ 853538 w 2991693"/>
+              <a:gd name="connsiteY0" fmla="*/ 0 h 2651787"/>
+              <a:gd name="connsiteX1" fmla="*/ 2141030 w 2991693"/>
+              <a:gd name="connsiteY1" fmla="*/ 0 h 2651787"/>
+              <a:gd name="connsiteX2" fmla="*/ 2324957 w 2991693"/>
+              <a:gd name="connsiteY2" fmla="*/ 103466 h 2651787"/>
+              <a:gd name="connsiteX3" fmla="*/ 2968702 w 2991693"/>
+              <a:gd name="connsiteY3" fmla="*/ 1218596 h 2651787"/>
+              <a:gd name="connsiteX4" fmla="*/ 2968702 w 2991693"/>
+              <a:gd name="connsiteY4" fmla="*/ 1433192 h 2651787"/>
+              <a:gd name="connsiteX5" fmla="*/ 2324957 w 2991693"/>
+              <a:gd name="connsiteY5" fmla="*/ 2548321 h 2651787"/>
+              <a:gd name="connsiteX6" fmla="*/ 2141030 w 2991693"/>
+              <a:gd name="connsiteY6" fmla="*/ 2651787 h 2651787"/>
+              <a:gd name="connsiteX7" fmla="*/ 853538 w 2991693"/>
+              <a:gd name="connsiteY7" fmla="*/ 2651787 h 2651787"/>
+              <a:gd name="connsiteX8" fmla="*/ 669612 w 2991693"/>
+              <a:gd name="connsiteY8" fmla="*/ 2548321 h 2651787"/>
+              <a:gd name="connsiteX9" fmla="*/ 25866 w 2991693"/>
+              <a:gd name="connsiteY9" fmla="*/ 1433192 h 2651787"/>
+              <a:gd name="connsiteX10" fmla="*/ 25866 w 2991693"/>
+              <a:gd name="connsiteY10" fmla="*/ 1218596 h 2651787"/>
+              <a:gd name="connsiteX11" fmla="*/ 669612 w 2991693"/>
+              <a:gd name="connsiteY11" fmla="*/ 103466 h 2651787"/>
+              <a:gd name="connsiteX12" fmla="*/ 853538 w 2991693"/>
+              <a:gd name="connsiteY12" fmla="*/ 0 h 2651787"/>
+            </a:gdLst>
+            <a:ahLst/>
+            <a:cxnLst>
+              <a:cxn ang="0">
+                <a:pos x="connsiteX0" y="connsiteY0"/>
+              </a:cxn>
+              <a:cxn ang="0">
+                <a:pos x="connsiteX1" y="connsiteY1"/>
+              </a:cxn>
+              <a:cxn ang="0">
+                <a:pos x="connsiteX2" y="connsiteY2"/>
+              </a:cxn>
+              <a:cxn ang="0">
+                <a:pos x="connsiteX3" y="connsiteY3"/>
+              </a:cxn>
+              <a:cxn ang="0">
+                <a:pos x="connsiteX4" y="connsiteY4"/>
+              </a:cxn>
+              <a:cxn ang="0">
+                <a:pos x="connsiteX5" y="connsiteY5"/>
+              </a:cxn>
+              <a:cxn ang="0">
+                <a:pos x="connsiteX6" y="connsiteY6"/>
+              </a:cxn>
+              <a:cxn ang="0">
+                <a:pos x="connsiteX7" y="connsiteY7"/>
+              </a:cxn>
+              <a:cxn ang="0">
+                <a:pos x="connsiteX8" y="connsiteY8"/>
+              </a:cxn>
+              <a:cxn ang="0">
+                <a:pos x="connsiteX9" y="connsiteY9"/>
+              </a:cxn>
+              <a:cxn ang="0">
+                <a:pos x="connsiteX10" y="connsiteY10"/>
+              </a:cxn>
+              <a:cxn ang="0">
+                <a:pos x="connsiteX11" y="connsiteY11"/>
+              </a:cxn>
+              <a:cxn ang="0">
+                <a:pos x="connsiteX12" y="connsiteY12"/>
+              </a:cxn>
+            </a:cxnLst>
+            <a:rect l="l" t="t" r="r" b="b"/>
+            <a:pathLst>
+              <a:path w="2991693" h="2651787">
+                <a:moveTo>
+                  <a:pt x="853538" y="0"/>
+                </a:moveTo>
+                <a:cubicBezTo>
+                  <a:pt x="2141030" y="0"/>
+                  <a:pt x="2141030" y="0"/>
+                  <a:pt x="2141030" y="0"/>
+                </a:cubicBezTo>
+                <a:cubicBezTo>
+                  <a:pt x="2206170" y="0"/>
+                  <a:pt x="2290471" y="45985"/>
+                  <a:pt x="2324957" y="103466"/>
+                </a:cubicBezTo>
+                <a:cubicBezTo>
+                  <a:pt x="2968702" y="1218596"/>
+                  <a:pt x="2968702" y="1218596"/>
+                  <a:pt x="2968702" y="1218596"/>
+                </a:cubicBezTo>
+                <a:cubicBezTo>
+                  <a:pt x="2999357" y="1279909"/>
+                  <a:pt x="2999357" y="1371878"/>
+                  <a:pt x="2968702" y="1433192"/>
+                </a:cubicBezTo>
+                <a:cubicBezTo>
+                  <a:pt x="2324957" y="2548321"/>
+                  <a:pt x="2324957" y="2548321"/>
+                  <a:pt x="2324957" y="2548321"/>
+                </a:cubicBezTo>
+                <a:cubicBezTo>
+                  <a:pt x="2290471" y="2605803"/>
+                  <a:pt x="2206170" y="2651787"/>
+                  <a:pt x="2141030" y="2651787"/>
+                </a:cubicBezTo>
+                <a:lnTo>
+                  <a:pt x="853538" y="2651787"/>
+                </a:lnTo>
+                <a:cubicBezTo>
+                  <a:pt x="784566" y="2651787"/>
+                  <a:pt x="700266" y="2605803"/>
+                  <a:pt x="669612" y="2548321"/>
+                </a:cubicBezTo>
+                <a:cubicBezTo>
+                  <a:pt x="25866" y="1433192"/>
+                  <a:pt x="25866" y="1433192"/>
+                  <a:pt x="25866" y="1433192"/>
+                </a:cubicBezTo>
+                <a:cubicBezTo>
+                  <a:pt x="-8621" y="1371878"/>
+                  <a:pt x="-8621" y="1279909"/>
+                  <a:pt x="25866" y="1218596"/>
+                </a:cubicBezTo>
+                <a:cubicBezTo>
+                  <a:pt x="669612" y="103466"/>
+                  <a:pt x="669612" y="103466"/>
+                  <a:pt x="669612" y="103466"/>
+                </a:cubicBezTo>
+                <a:cubicBezTo>
+                  <a:pt x="700266" y="45985"/>
+                  <a:pt x="784566" y="0"/>
+                  <a:pt x="853538" y="0"/>
+                </a:cubicBezTo>
+                <a:close/>
+              </a:path>
+            </a:pathLst>
+          </a:custGeom>
+          <a:noFill/>
+          <a:ln w="50800" cmpd="sng">
+            <a:solidFill>
+              <a:schemeClr val="tx1"/>
+            </a:solidFill>
+          </a:ln>
+        </p:spPr>
+        <p:txBody>
+          <a:bodyPr vert="horz" wrap="square" lIns="91440" tIns="45720" rIns="91440" bIns="45720" numCol="1" anchor="t" anchorCtr="0" compatLnSpc="1">
+            <a:prstTxWarp prst="textNoShape">
+              <a:avLst/>
+            </a:prstTxWarp>
+          </a:bodyPr>
+          <a:lstStyle/>
+          <a:p>
+            <a:endParaRPr lang="en-US" dirty="0">
+              <a:solidFill>
+                <a:schemeClr val="tx1"/>
+              </a:solidFill>
+            </a:endParaRPr>
+          </a:p>
+        </p:txBody>
+      </p:sp>
+      <p:grpSp>
+        <p:nvGrpSpPr>
+          <p:cNvPr id="16" name="Group 15">
+            <a:extLst>
+              <a:ext uri="{FF2B5EF4-FFF2-40B4-BE49-F238E27FC236}">
+                <a16:creationId xmlns:a16="http://schemas.microsoft.com/office/drawing/2014/main" id="{5CA4BCD1-F813-4A68-8727-7A3DE67AC57F}"/>
+              </a:ext>
+              <a:ext uri="{C183D7F6-B498-43B3-948B-1728B52AA6E4}">
+                <adec:decorative xmlns:adec="http://schemas.microsoft.com/office/drawing/2017/decorative" val="1"/>
+              </a:ext>
+            </a:extLst>
+          </p:cNvPr>
+          <p:cNvGrpSpPr>
+            <a:grpSpLocks noGrp="1" noUngrp="1" noRot="1" noChangeAspect="1" noMove="1" noResize="1"/>
+          </p:cNvGrpSpPr>
+          <p:nvPr>
+            <p:extLst>
+              <p:ext uri="{386F3935-93C4-4BCD-93E2-E3B085C9AB24}">
+                <p16:designElem xmlns:p16="http://schemas.microsoft.com/office/powerpoint/2015/main" val="1"/>
+              </p:ext>
+            </p:extLst>
+          </p:nvPr>
+        </p:nvGrpSpPr>
+        <p:grpSpPr>
+          <a:xfrm>
+            <a:off x="1331480" y="1075612"/>
+            <a:ext cx="1128382" cy="847206"/>
+            <a:chOff x="7393391" y="1075612"/>
+            <a:chExt cx="1128382" cy="847206"/>
+          </a:xfrm>
+        </p:grpSpPr>
+        <p:sp>
+          <p:nvSpPr>
+            <p:cNvPr id="17" name="Freeform 5">
+              <a:extLst>
+                <a:ext uri="{FF2B5EF4-FFF2-40B4-BE49-F238E27FC236}">
+                  <a16:creationId xmlns:a16="http://schemas.microsoft.com/office/drawing/2014/main" id="{A152F29E-C625-4313-96BF-5675B357C03A}"/>
+                </a:ext>
+                <a:ext uri="{C183D7F6-B498-43B3-948B-1728B52AA6E4}">
+                  <adec:decorative xmlns:adec="http://schemas.microsoft.com/office/drawing/2017/decorative" val="1"/>
+                </a:ext>
+              </a:extLst>
+            </p:cNvPr>
+            <p:cNvSpPr>
+              <a:spLocks/>
+            </p:cNvSpPr>
+            <p:nvPr>
+              <p:extLst>
+                <p:ext uri="{386F3935-93C4-4BCD-93E2-E3B085C9AB24}">
+                  <p16:designElem xmlns:p16="http://schemas.microsoft.com/office/powerpoint/2015/main" val="1"/>
+                </p:ext>
+              </p:extLst>
+            </p:nvPr>
+          </p:nvSpPr>
+          <p:spPr bwMode="auto">
+            <a:xfrm>
+              <a:off x="7393391" y="1327438"/>
+              <a:ext cx="675351" cy="595380"/>
+            </a:xfrm>
+            <a:custGeom>
+              <a:avLst/>
+              <a:gdLst>
+                <a:gd name="T0" fmla="*/ 225 w 785"/>
+                <a:gd name="T1" fmla="*/ 692 h 692"/>
+                <a:gd name="T2" fmla="*/ 177 w 785"/>
+                <a:gd name="T3" fmla="*/ 665 h 692"/>
+                <a:gd name="T4" fmla="*/ 9 w 785"/>
+                <a:gd name="T5" fmla="*/ 374 h 692"/>
+                <a:gd name="T6" fmla="*/ 9 w 785"/>
+                <a:gd name="T7" fmla="*/ 318 h 692"/>
+                <a:gd name="T8" fmla="*/ 177 w 785"/>
+                <a:gd name="T9" fmla="*/ 27 h 692"/>
+                <a:gd name="T10" fmla="*/ 225 w 785"/>
+                <a:gd name="T11" fmla="*/ 0 h 692"/>
+                <a:gd name="T12" fmla="*/ 561 w 785"/>
+                <a:gd name="T13" fmla="*/ 0 h 692"/>
+                <a:gd name="T14" fmla="*/ 609 w 785"/>
+                <a:gd name="T15" fmla="*/ 27 h 692"/>
+                <a:gd name="T16" fmla="*/ 777 w 785"/>
+                <a:gd name="T17" fmla="*/ 318 h 692"/>
+                <a:gd name="T18" fmla="*/ 777 w 785"/>
+                <a:gd name="T19" fmla="*/ 374 h 692"/>
+                <a:gd name="T20" fmla="*/ 609 w 785"/>
+                <a:gd name="T21" fmla="*/ 665 h 692"/>
+                <a:gd name="T22" fmla="*/ 561 w 785"/>
+                <a:gd name="T23" fmla="*/ 692 h 692"/>
+                <a:gd name="T24" fmla="*/ 225 w 785"/>
+                <a:gd name="T25" fmla="*/ 692 h 692"/>
+              </a:gdLst>
+              <a:ahLst/>
+              <a:cxnLst>
+                <a:cxn ang="0">
+                  <a:pos x="T0" y="T1"/>
+                </a:cxn>
+                <a:cxn ang="0">
+                  <a:pos x="T2" y="T3"/>
+                </a:cxn>
+                <a:cxn ang="0">
+                  <a:pos x="T4" y="T5"/>
+                </a:cxn>
+                <a:cxn ang="0">
+                  <a:pos x="T6" y="T7"/>
+                </a:cxn>
+                <a:cxn ang="0">
+                  <a:pos x="T8" y="T9"/>
+                </a:cxn>
+                <a:cxn ang="0">
+                  <a:pos x="T10" y="T11"/>
+                </a:cxn>
+                <a:cxn ang="0">
+                  <a:pos x="T12" y="T13"/>
+                </a:cxn>
+                <a:cxn ang="0">
+                  <a:pos x="T14" y="T15"/>
+                </a:cxn>
+                <a:cxn ang="0">
+                  <a:pos x="T16" y="T17"/>
+                </a:cxn>
+                <a:cxn ang="0">
+                  <a:pos x="T18" y="T19"/>
+                </a:cxn>
+                <a:cxn ang="0">
+                  <a:pos x="T20" y="T21"/>
+                </a:cxn>
+                <a:cxn ang="0">
+                  <a:pos x="T22" y="T23"/>
+                </a:cxn>
+                <a:cxn ang="0">
+                  <a:pos x="T24" y="T25"/>
+                </a:cxn>
+              </a:cxnLst>
+              <a:rect l="0" t="0" r="r" b="b"/>
+              <a:pathLst>
+                <a:path w="785" h="692">
+                  <a:moveTo>
+                    <a:pt x="225" y="692"/>
+                  </a:moveTo>
+                  <a:cubicBezTo>
+                    <a:pt x="207" y="692"/>
+                    <a:pt x="185" y="680"/>
+                    <a:pt x="177" y="665"/>
+                  </a:cubicBezTo>
+                  <a:cubicBezTo>
+                    <a:pt x="9" y="374"/>
+                    <a:pt x="9" y="374"/>
+                    <a:pt x="9" y="374"/>
+                  </a:cubicBezTo>
+                  <a:cubicBezTo>
+                    <a:pt x="0" y="358"/>
+                    <a:pt x="0" y="334"/>
+                    <a:pt x="9" y="318"/>
+                  </a:cubicBezTo>
+                  <a:cubicBezTo>
+                    <a:pt x="177" y="27"/>
+                    <a:pt x="177" y="27"/>
+                    <a:pt x="177" y="27"/>
+                  </a:cubicBezTo>
+                  <a:cubicBezTo>
+                    <a:pt x="185" y="12"/>
+                    <a:pt x="207" y="0"/>
+                    <a:pt x="225" y="0"/>
+                  </a:cubicBezTo>
+                  <a:cubicBezTo>
+                    <a:pt x="561" y="0"/>
+                    <a:pt x="561" y="0"/>
+                    <a:pt x="561" y="0"/>
+                  </a:cubicBezTo>
+                  <a:cubicBezTo>
+                    <a:pt x="578" y="0"/>
+                    <a:pt x="600" y="12"/>
+                    <a:pt x="609" y="27"/>
+                  </a:cubicBezTo>
+                  <a:cubicBezTo>
+                    <a:pt x="777" y="318"/>
+                    <a:pt x="777" y="318"/>
+                    <a:pt x="777" y="318"/>
+                  </a:cubicBezTo>
+                  <a:cubicBezTo>
+                    <a:pt x="785" y="334"/>
+                    <a:pt x="785" y="358"/>
+                    <a:pt x="777" y="374"/>
+                  </a:cubicBezTo>
+                  <a:cubicBezTo>
+                    <a:pt x="609" y="665"/>
+                    <a:pt x="609" y="665"/>
+                    <a:pt x="609" y="665"/>
+                  </a:cubicBezTo>
+                  <a:cubicBezTo>
+                    <a:pt x="600" y="680"/>
+                    <a:pt x="578" y="692"/>
+                    <a:pt x="561" y="692"/>
+                  </a:cubicBezTo>
+                  <a:lnTo>
+                    <a:pt x="225" y="692"/>
+                  </a:lnTo>
+                  <a:close/>
+                </a:path>
+              </a:pathLst>
+            </a:custGeom>
+            <a:noFill/>
+            <a:ln w="28575" cmpd="sng">
+              <a:solidFill>
+                <a:schemeClr val="tx1"/>
+              </a:solidFill>
+            </a:ln>
+          </p:spPr>
+          <p:txBody>
+            <a:bodyPr vert="horz" wrap="square" lIns="91440" tIns="45720" rIns="91440" bIns="45720" numCol="1" anchor="t" anchorCtr="0" compatLnSpc="1">
+              <a:prstTxWarp prst="textNoShape">
+                <a:avLst/>
+              </a:prstTxWarp>
+            </a:bodyPr>
+            <a:lstStyle/>
+            <a:p>
+              <a:endParaRPr lang="en-US"/>
+            </a:p>
+          </p:txBody>
+        </p:sp>
+        <p:sp>
+          <p:nvSpPr>
+            <p:cNvPr id="18" name="Freeform 5">
+              <a:extLst>
+                <a:ext uri="{FF2B5EF4-FFF2-40B4-BE49-F238E27FC236}">
+                  <a16:creationId xmlns:a16="http://schemas.microsoft.com/office/drawing/2014/main" id="{C2A5CB78-6497-4151-83B6-568BD27EC573}"/>
+                </a:ext>
+                <a:ext uri="{C183D7F6-B498-43B3-948B-1728B52AA6E4}">
+                  <adec:decorative xmlns:adec="http://schemas.microsoft.com/office/drawing/2017/decorative" val="1"/>
+                </a:ext>
+              </a:extLst>
+            </p:cNvPr>
+            <p:cNvSpPr>
+              <a:spLocks/>
+            </p:cNvSpPr>
+            <p:nvPr>
+              <p:extLst>
+                <p:ext uri="{386F3935-93C4-4BCD-93E2-E3B085C9AB24}">
+                  <p16:designElem xmlns:p16="http://schemas.microsoft.com/office/powerpoint/2015/main" val="1"/>
+                </p:ext>
+              </p:extLst>
+            </p:nvPr>
+          </p:nvSpPr>
+          <p:spPr bwMode="auto">
+            <a:xfrm>
+              <a:off x="7971281" y="1075612"/>
+              <a:ext cx="550492" cy="485306"/>
+            </a:xfrm>
+            <a:custGeom>
+              <a:avLst/>
+              <a:gdLst>
+                <a:gd name="T0" fmla="*/ 225 w 785"/>
+                <a:gd name="T1" fmla="*/ 692 h 692"/>
+                <a:gd name="T2" fmla="*/ 177 w 785"/>
+                <a:gd name="T3" fmla="*/ 665 h 692"/>
+                <a:gd name="T4" fmla="*/ 9 w 785"/>
+                <a:gd name="T5" fmla="*/ 374 h 692"/>
+                <a:gd name="T6" fmla="*/ 9 w 785"/>
+                <a:gd name="T7" fmla="*/ 318 h 692"/>
+                <a:gd name="T8" fmla="*/ 177 w 785"/>
+                <a:gd name="T9" fmla="*/ 27 h 692"/>
+                <a:gd name="T10" fmla="*/ 225 w 785"/>
+                <a:gd name="T11" fmla="*/ 0 h 692"/>
+                <a:gd name="T12" fmla="*/ 561 w 785"/>
+                <a:gd name="T13" fmla="*/ 0 h 692"/>
+                <a:gd name="T14" fmla="*/ 609 w 785"/>
+                <a:gd name="T15" fmla="*/ 27 h 692"/>
+                <a:gd name="T16" fmla="*/ 777 w 785"/>
+                <a:gd name="T17" fmla="*/ 318 h 692"/>
+                <a:gd name="T18" fmla="*/ 777 w 785"/>
+                <a:gd name="T19" fmla="*/ 374 h 692"/>
+                <a:gd name="T20" fmla="*/ 609 w 785"/>
+                <a:gd name="T21" fmla="*/ 665 h 692"/>
+                <a:gd name="T22" fmla="*/ 561 w 785"/>
+                <a:gd name="T23" fmla="*/ 692 h 692"/>
+                <a:gd name="T24" fmla="*/ 225 w 785"/>
+                <a:gd name="T25" fmla="*/ 692 h 692"/>
+              </a:gdLst>
+              <a:ahLst/>
+              <a:cxnLst>
+                <a:cxn ang="0">
+                  <a:pos x="T0" y="T1"/>
+                </a:cxn>
+                <a:cxn ang="0">
+                  <a:pos x="T2" y="T3"/>
+                </a:cxn>
+                <a:cxn ang="0">
+                  <a:pos x="T4" y="T5"/>
+                </a:cxn>
+                <a:cxn ang="0">
+                  <a:pos x="T6" y="T7"/>
+                </a:cxn>
+                <a:cxn ang="0">
+                  <a:pos x="T8" y="T9"/>
+                </a:cxn>
+                <a:cxn ang="0">
+                  <a:pos x="T10" y="T11"/>
+                </a:cxn>
+                <a:cxn ang="0">
+                  <a:pos x="T12" y="T13"/>
+                </a:cxn>
+                <a:cxn ang="0">
+                  <a:pos x="T14" y="T15"/>
+                </a:cxn>
+                <a:cxn ang="0">
+                  <a:pos x="T16" y="T17"/>
+                </a:cxn>
+                <a:cxn ang="0">
+                  <a:pos x="T18" y="T19"/>
+                </a:cxn>
+                <a:cxn ang="0">
+                  <a:pos x="T20" y="T21"/>
+                </a:cxn>
+                <a:cxn ang="0">
+                  <a:pos x="T22" y="T23"/>
+                </a:cxn>
+                <a:cxn ang="0">
+                  <a:pos x="T24" y="T25"/>
+                </a:cxn>
+              </a:cxnLst>
+              <a:rect l="0" t="0" r="r" b="b"/>
+              <a:pathLst>
+                <a:path w="785" h="692">
+                  <a:moveTo>
+                    <a:pt x="225" y="692"/>
+                  </a:moveTo>
+                  <a:cubicBezTo>
+                    <a:pt x="207" y="692"/>
+                    <a:pt x="185" y="680"/>
+                    <a:pt x="177" y="665"/>
+                  </a:cubicBezTo>
+                  <a:cubicBezTo>
+                    <a:pt x="9" y="374"/>
+                    <a:pt x="9" y="374"/>
+                    <a:pt x="9" y="374"/>
+                  </a:cubicBezTo>
+                  <a:cubicBezTo>
+                    <a:pt x="0" y="358"/>
+                    <a:pt x="0" y="334"/>
+                    <a:pt x="9" y="318"/>
+                  </a:cubicBezTo>
+                  <a:cubicBezTo>
+                    <a:pt x="177" y="27"/>
+                    <a:pt x="177" y="27"/>
+                    <a:pt x="177" y="27"/>
+                  </a:cubicBezTo>
+                  <a:cubicBezTo>
+                    <a:pt x="185" y="12"/>
+                    <a:pt x="207" y="0"/>
+                    <a:pt x="225" y="0"/>
+                  </a:cubicBezTo>
+                  <a:cubicBezTo>
+                    <a:pt x="561" y="0"/>
+                    <a:pt x="561" y="0"/>
+                    <a:pt x="561" y="0"/>
+                  </a:cubicBezTo>
+                  <a:cubicBezTo>
+                    <a:pt x="578" y="0"/>
+                    <a:pt x="600" y="12"/>
+                    <a:pt x="609" y="27"/>
+                  </a:cubicBezTo>
+                  <a:cubicBezTo>
+                    <a:pt x="777" y="318"/>
+                    <a:pt x="777" y="318"/>
+                    <a:pt x="777" y="318"/>
+                  </a:cubicBezTo>
+                  <a:cubicBezTo>
+                    <a:pt x="785" y="334"/>
+                    <a:pt x="785" y="358"/>
+                    <a:pt x="777" y="374"/>
+                  </a:cubicBezTo>
+                  <a:cubicBezTo>
+                    <a:pt x="609" y="665"/>
+                    <a:pt x="609" y="665"/>
+                    <a:pt x="609" y="665"/>
+                  </a:cubicBezTo>
+                  <a:cubicBezTo>
+                    <a:pt x="600" y="680"/>
+                    <a:pt x="578" y="692"/>
+                    <a:pt x="561" y="692"/>
+                  </a:cubicBezTo>
+                  <a:lnTo>
+                    <a:pt x="225" y="692"/>
+                  </a:lnTo>
+                  <a:close/>
+                </a:path>
+              </a:pathLst>
+            </a:custGeom>
+            <a:noFill/>
+            <a:ln w="28575" cmpd="sng">
+              <a:solidFill>
+                <a:schemeClr val="tx1"/>
+              </a:solidFill>
+            </a:ln>
+          </p:spPr>
+          <p:txBody>
+            <a:bodyPr vert="horz" wrap="square" lIns="91440" tIns="45720" rIns="91440" bIns="45720" numCol="1" anchor="t" anchorCtr="0" compatLnSpc="1">
+              <a:prstTxWarp prst="textNoShape">
+                <a:avLst/>
+              </a:prstTxWarp>
+            </a:bodyPr>
+            <a:lstStyle/>
+            <a:p>
+              <a:endParaRPr lang="en-US"/>
+            </a:p>
+          </p:txBody>
+        </p:sp>
+      </p:grpSp>
+      <p:pic>
+        <p:nvPicPr>
+          <p:cNvPr id="7" name="Imagem 7" descr="Texto&#10;&#10;Descrição gerada automaticamente">
+            <a:extLst>
+              <a:ext uri="{FF2B5EF4-FFF2-40B4-BE49-F238E27FC236}">
+                <a16:creationId xmlns:a16="http://schemas.microsoft.com/office/drawing/2014/main" id="{E1E08D2D-6286-415D-AA1C-411E8617D9E1}"/>
+              </a:ext>
+            </a:extLst>
+          </p:cNvPr>
+          <p:cNvPicPr>
+            <a:picLocks noChangeAspect="1"/>
+          </p:cNvPicPr>
+          <p:nvPr/>
+        </p:nvPicPr>
+        <p:blipFill>
+          <a:blip r:embed="rId2"/>
+          <a:stretch>
+            <a:fillRect/>
+          </a:stretch>
+        </p:blipFill>
+        <p:spPr>
+          <a:xfrm>
+            <a:off x="7062982" y="2904328"/>
+            <a:ext cx="2963421" cy="1148325"/>
+          </a:xfrm>
+          <a:prstGeom prst="rect">
+            <a:avLst/>
+          </a:prstGeom>
+        </p:spPr>
+      </p:pic>
+      <p:sp>
+        <p:nvSpPr>
+          <p:cNvPr id="3" name="Título 3">
+            <a:extLst>
+              <a:ext uri="{FF2B5EF4-FFF2-40B4-BE49-F238E27FC236}">
+                <a16:creationId xmlns:a16="http://schemas.microsoft.com/office/drawing/2014/main" id="{23C21BFE-051C-4E3D-95B1-72C4B05AA65B}"/>
+              </a:ext>
+            </a:extLst>
+          </p:cNvPr>
+          <p:cNvSpPr txBox="1">
+            <a:spLocks/>
+          </p:cNvSpPr>
+          <p:nvPr/>
+        </p:nvSpPr>
+        <p:spPr>
+          <a:xfrm>
+            <a:off x="316562" y="3196637"/>
+            <a:ext cx="5469636" cy="1200329"/>
+          </a:xfrm>
+          <a:prstGeom prst="rect">
+            <a:avLst/>
+          </a:prstGeom>
+          <a:noFill/>
+        </p:spPr>
+        <p:txBody>
+          <a:bodyPr rot="0" spcFirstLastPara="0" vertOverflow="overflow" horzOverflow="overflow" vert="horz" wrap="square" lIns="91440" tIns="45720" rIns="91440" bIns="45720" numCol="1" spcCol="0" rtlCol="0" fromWordArt="0" anchor="t" anchorCtr="0" forceAA="0" compatLnSpc="1">
+            <a:prstTxWarp prst="textNoShape">
+              <a:avLst/>
+            </a:prstTxWarp>
+            <a:spAutoFit/>
+          </a:bodyPr>
+          <a:lstStyle>
+            <a:lvl1pPr algn="l" defTabSz="914400" rtl="0" eaLnBrk="1" latinLnBrk="0" hangingPunct="1">
+              <a:lnSpc>
+                <a:spcPct val="90000"/>
+              </a:lnSpc>
+              <a:spcBef>
+                <a:spcPct val="0"/>
+              </a:spcBef>
+              <a:buNone/>
+              <a:defRPr sz="4400" kern="1200">
+                <a:solidFill>
+                  <a:schemeClr val="tx1"/>
+                </a:solidFill>
+                <a:latin typeface="+mj-lt"/>
+                <a:ea typeface="+mj-ea"/>
+                <a:cs typeface="+mj-cs"/>
+              </a:defRPr>
+            </a:lvl1pPr>
+          </a:lstStyle>
+          <a:p>
+            <a:pPr marL="285750" indent="-285750" algn="just">
+              <a:buFont typeface="Wingdings"/>
+              <a:buChar char="§"/>
+            </a:pPr>
+            <a:r>
+              <a:rPr lang="en-US" sz="1600" b="1">
+                <a:latin typeface="Calibri Light"/>
+                <a:ea typeface="+mn-ea"/>
+                <a:cs typeface="Arial"/>
+              </a:rPr>
+              <a:t>Desenvolver produtos disruptivos para democratizar os serviços financeiros no Brasil, oferecendo aos vendedores e consumidores um completo ecossistema digital que seja simples, mobile-first, seguro e acessível.</a:t>
+            </a:r>
+            <a:endParaRPr lang="pt-BR" sz="1600" b="1">
+              <a:latin typeface="Calibri Light"/>
+              <a:ea typeface="+mn-ea"/>
+              <a:cs typeface="Arial"/>
+            </a:endParaRPr>
+          </a:p>
+          <a:p>
+            <a:pPr marL="285750" indent="-285750">
+              <a:buFont typeface="Wingdings"/>
+              <a:buChar char="§"/>
+            </a:pPr>
+            <a:endParaRPr lang="en-US" sz="1600" b="1" dirty="0">
+              <a:latin typeface="Calibri Light"/>
+              <a:ea typeface="+mn-ea"/>
+              <a:cs typeface="Arial"/>
+            </a:endParaRPr>
+          </a:p>
+        </p:txBody>
+      </p:sp>
+      <p:sp>
+        <p:nvSpPr>
+          <p:cNvPr id="13" name="Título 3">
+            <a:extLst>
+              <a:ext uri="{FF2B5EF4-FFF2-40B4-BE49-F238E27FC236}">
+                <a16:creationId xmlns:a16="http://schemas.microsoft.com/office/drawing/2014/main" id="{00E8224D-D18D-46B3-959B-9E528C263FB4}"/>
+              </a:ext>
+            </a:extLst>
+          </p:cNvPr>
+          <p:cNvSpPr txBox="1">
+            <a:spLocks/>
+          </p:cNvSpPr>
+          <p:nvPr/>
+        </p:nvSpPr>
+        <p:spPr>
+          <a:xfrm>
+            <a:off x="317828" y="4902478"/>
+            <a:ext cx="6837771" cy="374875"/>
+          </a:xfrm>
+          <a:prstGeom prst="rect">
+            <a:avLst/>
+          </a:prstGeom>
+        </p:spPr>
+        <p:txBody>
+          <a:bodyPr vert="horz" lIns="91440" tIns="45720" rIns="91440" bIns="45720" rtlCol="0" anchor="t">
+            <a:normAutofit/>
+          </a:bodyPr>
+          <a:lstStyle>
+            <a:lvl1pPr algn="l" defTabSz="914400" rtl="0" eaLnBrk="1" latinLnBrk="0" hangingPunct="1">
+              <a:lnSpc>
+                <a:spcPct val="90000"/>
+              </a:lnSpc>
+              <a:spcBef>
+                <a:spcPct val="0"/>
+              </a:spcBef>
+              <a:buNone/>
+              <a:defRPr sz="4400" kern="1200">
+                <a:solidFill>
+                  <a:schemeClr val="tx1"/>
+                </a:solidFill>
+                <a:latin typeface="+mj-lt"/>
+                <a:ea typeface="+mj-ea"/>
+                <a:cs typeface="+mj-cs"/>
+              </a:defRPr>
+            </a:lvl1pPr>
+          </a:lstStyle>
+          <a:p>
+            <a:pPr marL="285750" indent="-285750">
+              <a:buFont typeface="Arial"/>
+              <a:buChar char="•"/>
+            </a:pPr>
+            <a:endParaRPr lang="en-US" sz="1800" b="1" dirty="0">
+              <a:cs typeface="Calibri Light"/>
+            </a:endParaRPr>
+          </a:p>
+        </p:txBody>
+      </p:sp>
+    </p:spTree>
+    <p:extLst>
+      <p:ext uri="{BB962C8B-B14F-4D97-AF65-F5344CB8AC3E}">
+        <p14:creationId xmlns:p14="http://schemas.microsoft.com/office/powerpoint/2010/main" val="3003899043"/>
+      </p:ext>
+    </p:extLst>
+  </p:cSld>
+  <p:clrMapOvr>
+    <a:masterClrMapping/>
+  </p:clrMapOvr>
+  <p:transition spd="slow">
+    <p:push dir="u"/>
+  </p:transition>
+  <p:timing>
+    <p:tnLst>
+      <p:par>
+        <p:cTn id="1" dur="indefinite" restart="never" nodeType="tmRoot">
+          <p:childTnLst>
+            <p:seq concurrent="1" nextAc="seek">
+              <p:cTn id="2" dur="indefinite" nodeType="mainSeq">
+                <p:childTnLst>
+                  <p:par>
+                    <p:cTn id="3" fill="hold">
+                      <p:stCondLst>
+                        <p:cond delay="indefinite"/>
+                      </p:stCondLst>
+                      <p:childTnLst>
+                        <p:par>
+                          <p:cTn id="4" fill="hold">
+                            <p:stCondLst>
+                              <p:cond delay="0"/>
+                            </p:stCondLst>
+                            <p:childTnLst>
+                              <p:par>
+                                <p:cTn id="5" presetID="1" presetClass="entr" presetSubtype="0" fill="hold" grpId="0" nodeType="clickEffect">
+                                  <p:stCondLst>
+                                    <p:cond delay="0"/>
+                                  </p:stCondLst>
+                                  <p:childTnLst>
+                                    <p:set>
+                                      <p:cBhvr>
+                                        <p:cTn id="6" dur="1" fill="hold">
+                                          <p:stCondLst>
+                                            <p:cond delay="0"/>
+                                          </p:stCondLst>
+                                        </p:cTn>
+                                        <p:tgtEl>
+                                          <p:spTgt spid="3"/>
+                                        </p:tgtEl>
+                                        <p:attrNameLst>
+                                          <p:attrName>style.visibility</p:attrName>
+                                        </p:attrNameLst>
+                                      </p:cBhvr>
+                                      <p:to>
+                                        <p:strVal val="visible"/>
+                                      </p:to>
+                                    </p:set>
+                                  </p:childTnLst>
+                                </p:cTn>
+                              </p:par>
+                            </p:childTnLst>
+                          </p:cTn>
+                        </p:par>
+                      </p:childTnLst>
+                    </p:cTn>
+                  </p:par>
+                  <p:par>
+                    <p:cTn id="7" fill="hold">
+                      <p:stCondLst>
+                        <p:cond delay="indefinite"/>
+                      </p:stCondLst>
+                      <p:childTnLst>
+                        <p:par>
+                          <p:cTn id="8" fill="hold">
+                            <p:stCondLst>
+                              <p:cond delay="0"/>
+                            </p:stCondLst>
+                            <p:childTnLst>
+                              <p:par>
+                                <p:cTn id="9" presetID="1" presetClass="entr" presetSubtype="0" fill="hold" grpId="0" nodeType="clickEffect" nodePh="1">
+                                  <p:stCondLst>
+                                    <p:cond delay="0"/>
+                                  </p:stCondLst>
+                                  <p:endCondLst>
+                                    <p:cond evt="begin" delay="0">
+                                      <p:tn val="9"/>
+                                    </p:cond>
+                                  </p:endCondLst>
+                                  <p:childTnLst>
+                                    <p:set>
+                                      <p:cBhvr>
+                                        <p:cTn id="10" dur="1" fill="hold">
+                                          <p:stCondLst>
+                                            <p:cond delay="0"/>
+                                          </p:stCondLst>
+                                        </p:cTn>
+                                        <p:tgtEl>
+                                          <p:spTgt spid="13"/>
+                                        </p:tgtEl>
+                                        <p:attrNameLst>
+                                          <p:attrName>style.visibility</p:attrName>
+                                        </p:attrNameLst>
+                                      </p:cBhvr>
+                                      <p:to>
+                                        <p:strVal val="visible"/>
+                                      </p:to>
+                                    </p:set>
+                                  </p:childTnLst>
+                                </p:cTn>
+                              </p:par>
+                            </p:childTnLst>
+                          </p:cTn>
+                        </p:par>
+                      </p:childTnLst>
+                    </p:cTn>
+                  </p:par>
+                </p:childTnLst>
+              </p:cTn>
+              <p:prevCondLst>
+                <p:cond evt="onPrev" delay="0">
+                  <p:tgtEl>
+                    <p:sldTgt/>
+                  </p:tgtEl>
+                </p:cond>
+              </p:prevCondLst>
+              <p:nextCondLst>
+                <p:cond evt="onNext" delay="0">
+                  <p:tgtEl>
+                    <p:sldTgt/>
+                  </p:tgtEl>
+                </p:cond>
+              </p:nextCondLst>
+            </p:seq>
+          </p:childTnLst>
+        </p:cTn>
+      </p:par>
+    </p:tnLst>
+    <p:bldLst>
+      <p:bldP spid="3" grpId="0"/>
+      <p:bldP spid="13" grpId="0"/>
+    </p:bldLst>
+  </p:timing>
+</p:sld>
+</file>
+
+<file path=ppt/slides/slide4.xml><?xml version="1.0" encoding="utf-8"?>
 <p:sld xmlns:a="http://schemas.openxmlformats.org/drawingml/2006/main" xmlns:r="http://schemas.openxmlformats.org/officeDocument/2006/relationships" xmlns:p="http://schemas.openxmlformats.org/presentationml/2006/main">
   <p:cSld>
     <p:bg>
@@ -9329,7 +11452,7 @@
 </p:sld>
 </file>
 
-<file path=ppt/slides/slide4.xml><?xml version="1.0" encoding="utf-8"?>
+<file path=ppt/slides/slide5.xml><?xml version="1.0" encoding="utf-8"?>
 <p:sld xmlns:a="http://schemas.openxmlformats.org/drawingml/2006/main" xmlns:r="http://schemas.openxmlformats.org/officeDocument/2006/relationships" xmlns:p="http://schemas.openxmlformats.org/presentationml/2006/main">
   <p:cSld>
     <p:bg>
@@ -10806,7 +12929,7 @@
 </p:sld>
 </file>
 
-<file path=ppt/slides/slide5.xml><?xml version="1.0" encoding="utf-8"?>
+<file path=ppt/slides/slide6.xml><?xml version="1.0" encoding="utf-8"?>
 <p:sld xmlns:a="http://schemas.openxmlformats.org/drawingml/2006/main" xmlns:r="http://schemas.openxmlformats.org/officeDocument/2006/relationships" xmlns:p="http://schemas.openxmlformats.org/presentationml/2006/main">
   <p:cSld>
     <p:bg>
@@ -11887,7 +14010,7 @@
 </p:sld>
 </file>
 
-<file path=ppt/slides/slide6.xml><?xml version="1.0" encoding="utf-8"?>
+<file path=ppt/slides/slide7.xml><?xml version="1.0" encoding="utf-8"?>
 <p:sld xmlns:a="http://schemas.openxmlformats.org/drawingml/2006/main" xmlns:r="http://schemas.openxmlformats.org/officeDocument/2006/relationships" xmlns:p="http://schemas.openxmlformats.org/presentationml/2006/main">
   <p:cSld>
     <p:bg>
@@ -16228,7 +18351,7 @@
 </p:sld>
 </file>
 
-<file path=ppt/slides/slide7.xml><?xml version="1.0" encoding="utf-8"?>
+<file path=ppt/slides/slide8.xml><?xml version="1.0" encoding="utf-8"?>
 <p:sld xmlns:a="http://schemas.openxmlformats.org/drawingml/2006/main" xmlns:r="http://schemas.openxmlformats.org/officeDocument/2006/relationships" xmlns:p="http://schemas.openxmlformats.org/presentationml/2006/main">
   <p:cSld>
     <p:bg>
@@ -18473,7 +20596,7 @@
 </p:sld>
 </file>
 
-<file path=ppt/slides/slide8.xml><?xml version="1.0" encoding="utf-8"?>
+<file path=ppt/slides/slide9.xml><?xml version="1.0" encoding="utf-8"?>
 <p:sld xmlns:a="http://schemas.openxmlformats.org/drawingml/2006/main" xmlns:r="http://schemas.openxmlformats.org/officeDocument/2006/relationships" xmlns:p="http://schemas.openxmlformats.org/presentationml/2006/main">
   <p:cSld>
     <p:bg>
@@ -19530,1078 +21653,6 @@
 </p:sld>
 </file>
 
-<file path=ppt/slides/slide9.xml><?xml version="1.0" encoding="utf-8"?>
-<p:sld xmlns:a="http://schemas.openxmlformats.org/drawingml/2006/main" xmlns:r="http://schemas.openxmlformats.org/officeDocument/2006/relationships" xmlns:p="http://schemas.openxmlformats.org/presentationml/2006/main">
-  <p:cSld>
-    <p:bg>
-      <p:bgPr>
-        <a:solidFill>
-          <a:schemeClr val="bg1"/>
-        </a:solidFill>
-        <a:effectLst/>
-      </p:bgPr>
-    </p:bg>
-    <p:spTree>
-      <p:nvGrpSpPr>
-        <p:cNvPr id="1" name=""/>
-        <p:cNvGrpSpPr/>
-        <p:nvPr/>
-      </p:nvGrpSpPr>
-      <p:grpSpPr>
-        <a:xfrm>
-          <a:off x="0" y="0"/>
-          <a:ext cx="0" cy="0"/>
-          <a:chOff x="0" y="0"/>
-          <a:chExt cx="0" cy="0"/>
-        </a:xfrm>
-      </p:grpSpPr>
-      <p:sp useBgFill="1">
-        <p:nvSpPr>
-          <p:cNvPr id="29" name="Rectangle 28">
-            <a:extLst>
-              <a:ext uri="{FF2B5EF4-FFF2-40B4-BE49-F238E27FC236}">
-                <a16:creationId xmlns:a16="http://schemas.microsoft.com/office/drawing/2014/main" id="{33CD251C-A887-4D2F-925B-FC097198538B}"/>
-              </a:ext>
-              <a:ext uri="{C183D7F6-B498-43B3-948B-1728B52AA6E4}">
-                <adec:decorative xmlns:adec="http://schemas.microsoft.com/office/drawing/2017/decorative" val="1"/>
-              </a:ext>
-            </a:extLst>
-          </p:cNvPr>
-          <p:cNvSpPr>
-            <a:spLocks noGrp="1" noRot="1" noChangeAspect="1" noMove="1" noResize="1" noEditPoints="1" noAdjustHandles="1" noChangeArrowheads="1" noChangeShapeType="1" noTextEdit="1"/>
-          </p:cNvSpPr>
-          <p:nvPr>
-            <p:extLst>
-              <p:ext uri="{386F3935-93C4-4BCD-93E2-E3B085C9AB24}">
-                <p16:designElem xmlns:p16="http://schemas.microsoft.com/office/powerpoint/2015/main" val="1"/>
-              </p:ext>
-            </p:extLst>
-          </p:nvPr>
-        </p:nvSpPr>
-        <p:spPr>
-          <a:xfrm>
-            <a:off x="0" y="0"/>
-            <a:ext cx="12192000" cy="6858000"/>
-          </a:xfrm>
-          <a:prstGeom prst="rect">
-            <a:avLst/>
-          </a:prstGeom>
-          <a:ln>
-            <a:noFill/>
-          </a:ln>
-        </p:spPr>
-        <p:style>
-          <a:lnRef idx="2">
-            <a:schemeClr val="accent1">
-              <a:shade val="50000"/>
-            </a:schemeClr>
-          </a:lnRef>
-          <a:fillRef idx="1">
-            <a:schemeClr val="accent1"/>
-          </a:fillRef>
-          <a:effectRef idx="0">
-            <a:schemeClr val="accent1"/>
-          </a:effectRef>
-          <a:fontRef idx="minor">
-            <a:schemeClr val="lt1"/>
-          </a:fontRef>
-        </p:style>
-        <p:txBody>
-          <a:bodyPr rtlCol="0" anchor="ctr"/>
-          <a:lstStyle/>
-          <a:p>
-            <a:pPr algn="ctr"/>
-            <a:endParaRPr lang="en-US"/>
-          </a:p>
-        </p:txBody>
-      </p:sp>
-      <p:sp>
-        <p:nvSpPr>
-          <p:cNvPr id="31" name="Rectangle 30">
-            <a:extLst>
-              <a:ext uri="{FF2B5EF4-FFF2-40B4-BE49-F238E27FC236}">
-                <a16:creationId xmlns:a16="http://schemas.microsoft.com/office/drawing/2014/main" id="{B19D093C-27FB-4032-B282-42C4563F257C}"/>
-              </a:ext>
-              <a:ext uri="{C183D7F6-B498-43B3-948B-1728B52AA6E4}">
-                <adec:decorative xmlns:adec="http://schemas.microsoft.com/office/drawing/2017/decorative" val="1"/>
-              </a:ext>
-            </a:extLst>
-          </p:cNvPr>
-          <p:cNvSpPr>
-            <a:spLocks noGrp="1" noRot="1" noChangeAspect="1" noMove="1" noResize="1" noEditPoints="1" noAdjustHandles="1" noChangeArrowheads="1" noChangeShapeType="1" noTextEdit="1"/>
-          </p:cNvSpPr>
-          <p:nvPr>
-            <p:extLst>
-              <p:ext uri="{386F3935-93C4-4BCD-93E2-E3B085C9AB24}">
-                <p16:designElem xmlns:p16="http://schemas.microsoft.com/office/powerpoint/2015/main" val="1"/>
-              </p:ext>
-            </p:extLst>
-          </p:nvPr>
-        </p:nvSpPr>
-        <p:spPr>
-          <a:xfrm>
-            <a:off x="0" y="0"/>
-            <a:ext cx="4694548" cy="6858000"/>
-          </a:xfrm>
-          <a:prstGeom prst="rect">
-            <a:avLst/>
-          </a:prstGeom>
-          <a:solidFill>
-            <a:schemeClr val="tx1"/>
-          </a:solidFill>
-          <a:ln>
-            <a:noFill/>
-          </a:ln>
-        </p:spPr>
-        <p:style>
-          <a:lnRef idx="2">
-            <a:schemeClr val="accent1">
-              <a:shade val="50000"/>
-            </a:schemeClr>
-          </a:lnRef>
-          <a:fillRef idx="1">
-            <a:schemeClr val="accent1"/>
-          </a:fillRef>
-          <a:effectRef idx="0">
-            <a:schemeClr val="accent1"/>
-          </a:effectRef>
-          <a:fontRef idx="minor">
-            <a:schemeClr val="lt1"/>
-          </a:fontRef>
-        </p:style>
-        <p:txBody>
-          <a:bodyPr rtlCol="0" anchor="ctr"/>
-          <a:lstStyle/>
-          <a:p>
-            <a:pPr algn="ctr"/>
-            <a:endParaRPr lang="en-US"/>
-          </a:p>
-        </p:txBody>
-      </p:sp>
-      <p:sp>
-        <p:nvSpPr>
-          <p:cNvPr id="2" name="Título 1">
-            <a:extLst>
-              <a:ext uri="{FF2B5EF4-FFF2-40B4-BE49-F238E27FC236}">
-                <a16:creationId xmlns:a16="http://schemas.microsoft.com/office/drawing/2014/main" id="{6F17393D-D9F6-4456-9FD2-80CC3DC7C373}"/>
-              </a:ext>
-            </a:extLst>
-          </p:cNvPr>
-          <p:cNvSpPr>
-            <a:spLocks noGrp="1"/>
-          </p:cNvSpPr>
-          <p:nvPr>
-            <p:ph type="title"/>
-          </p:nvPr>
-        </p:nvSpPr>
-        <p:spPr>
-          <a:xfrm>
-            <a:off x="172559" y="1780661"/>
-            <a:ext cx="4176804" cy="1463472"/>
-          </a:xfrm>
-        </p:spPr>
-        <p:txBody>
-          <a:bodyPr anchor="t">
-            <a:normAutofit/>
-          </a:bodyPr>
-          <a:lstStyle/>
-          <a:p>
-            <a:r>
-              <a:rPr lang="pt-BR" sz="4800" b="1">
-                <a:solidFill>
-                  <a:schemeClr val="bg1"/>
-                </a:solidFill>
-                <a:ea typeface="+mj-lt"/>
-                <a:cs typeface="+mj-lt"/>
-              </a:rPr>
-              <a:t>My SQL:</a:t>
-            </a:r>
-            <a:endParaRPr lang="pt-BR" sz="4800">
-              <a:solidFill>
-                <a:schemeClr val="bg1"/>
-              </a:solidFill>
-              <a:ea typeface="+mj-lt"/>
-              <a:cs typeface="+mj-lt"/>
-            </a:endParaRPr>
-          </a:p>
-          <a:p>
-            <a:endParaRPr lang="pt-BR" sz="4800" b="1" dirty="0">
-              <a:solidFill>
-                <a:schemeClr val="bg1"/>
-              </a:solidFill>
-              <a:cs typeface="Calibri Light"/>
-            </a:endParaRPr>
-          </a:p>
-        </p:txBody>
-      </p:sp>
-      <p:grpSp>
-        <p:nvGrpSpPr>
-          <p:cNvPr id="33" name="Group 32">
-            <a:extLst>
-              <a:ext uri="{FF2B5EF4-FFF2-40B4-BE49-F238E27FC236}">
-                <a16:creationId xmlns:a16="http://schemas.microsoft.com/office/drawing/2014/main" id="{35EE815E-1BD3-4777-B652-6D98825BF66B}"/>
-              </a:ext>
-              <a:ext uri="{C183D7F6-B498-43B3-948B-1728B52AA6E4}">
-                <adec:decorative xmlns:adec="http://schemas.microsoft.com/office/drawing/2017/decorative" val="1"/>
-              </a:ext>
-            </a:extLst>
-          </p:cNvPr>
-          <p:cNvGrpSpPr>
-            <a:grpSpLocks noGrp="1" noUngrp="1" noRot="1" noChangeAspect="1" noMove="1" noResize="1"/>
-          </p:cNvGrpSpPr>
-          <p:nvPr>
-            <p:extLst>
-              <p:ext uri="{386F3935-93C4-4BCD-93E2-E3B085C9AB24}">
-                <p16:designElem xmlns:p16="http://schemas.microsoft.com/office/powerpoint/2015/main" val="1"/>
-              </p:ext>
-            </p:extLst>
-          </p:nvPr>
-        </p:nvGrpSpPr>
-        <p:grpSpPr>
-          <a:xfrm>
-            <a:off x="767290" y="681628"/>
-            <a:ext cx="1128382" cy="847206"/>
-            <a:chOff x="668003" y="1684057"/>
-            <a:chExt cx="1128382" cy="847206"/>
-          </a:xfrm>
-        </p:grpSpPr>
-        <p:sp>
-          <p:nvSpPr>
-            <p:cNvPr id="34" name="Freeform 5">
-              <a:extLst>
-                <a:ext uri="{FF2B5EF4-FFF2-40B4-BE49-F238E27FC236}">
-                  <a16:creationId xmlns:a16="http://schemas.microsoft.com/office/drawing/2014/main" id="{E6692982-4A7D-4392-87CD-F0CD4B027DDE}"/>
-                </a:ext>
-                <a:ext uri="{C183D7F6-B498-43B3-948B-1728B52AA6E4}">
-                  <adec:decorative xmlns:adec="http://schemas.microsoft.com/office/drawing/2017/decorative" val="1"/>
-                </a:ext>
-              </a:extLst>
-            </p:cNvPr>
-            <p:cNvSpPr>
-              <a:spLocks/>
-            </p:cNvSpPr>
-            <p:nvPr>
-              <p:extLst>
-                <p:ext uri="{386F3935-93C4-4BCD-93E2-E3B085C9AB24}">
-                  <p16:designElem xmlns:p16="http://schemas.microsoft.com/office/powerpoint/2015/main" val="1"/>
-                </p:ext>
-              </p:extLst>
-            </p:nvPr>
-          </p:nvSpPr>
-          <p:spPr bwMode="auto">
-            <a:xfrm>
-              <a:off x="668003" y="1935883"/>
-              <a:ext cx="675351" cy="595380"/>
-            </a:xfrm>
-            <a:custGeom>
-              <a:avLst/>
-              <a:gdLst>
-                <a:gd name="T0" fmla="*/ 225 w 785"/>
-                <a:gd name="T1" fmla="*/ 692 h 692"/>
-                <a:gd name="T2" fmla="*/ 177 w 785"/>
-                <a:gd name="T3" fmla="*/ 665 h 692"/>
-                <a:gd name="T4" fmla="*/ 9 w 785"/>
-                <a:gd name="T5" fmla="*/ 374 h 692"/>
-                <a:gd name="T6" fmla="*/ 9 w 785"/>
-                <a:gd name="T7" fmla="*/ 318 h 692"/>
-                <a:gd name="T8" fmla="*/ 177 w 785"/>
-                <a:gd name="T9" fmla="*/ 27 h 692"/>
-                <a:gd name="T10" fmla="*/ 225 w 785"/>
-                <a:gd name="T11" fmla="*/ 0 h 692"/>
-                <a:gd name="T12" fmla="*/ 561 w 785"/>
-                <a:gd name="T13" fmla="*/ 0 h 692"/>
-                <a:gd name="T14" fmla="*/ 609 w 785"/>
-                <a:gd name="T15" fmla="*/ 27 h 692"/>
-                <a:gd name="T16" fmla="*/ 777 w 785"/>
-                <a:gd name="T17" fmla="*/ 318 h 692"/>
-                <a:gd name="T18" fmla="*/ 777 w 785"/>
-                <a:gd name="T19" fmla="*/ 374 h 692"/>
-                <a:gd name="T20" fmla="*/ 609 w 785"/>
-                <a:gd name="T21" fmla="*/ 665 h 692"/>
-                <a:gd name="T22" fmla="*/ 561 w 785"/>
-                <a:gd name="T23" fmla="*/ 692 h 692"/>
-                <a:gd name="T24" fmla="*/ 225 w 785"/>
-                <a:gd name="T25" fmla="*/ 692 h 692"/>
-              </a:gdLst>
-              <a:ahLst/>
-              <a:cxnLst>
-                <a:cxn ang="0">
-                  <a:pos x="T0" y="T1"/>
-                </a:cxn>
-                <a:cxn ang="0">
-                  <a:pos x="T2" y="T3"/>
-                </a:cxn>
-                <a:cxn ang="0">
-                  <a:pos x="T4" y="T5"/>
-                </a:cxn>
-                <a:cxn ang="0">
-                  <a:pos x="T6" y="T7"/>
-                </a:cxn>
-                <a:cxn ang="0">
-                  <a:pos x="T8" y="T9"/>
-                </a:cxn>
-                <a:cxn ang="0">
-                  <a:pos x="T10" y="T11"/>
-                </a:cxn>
-                <a:cxn ang="0">
-                  <a:pos x="T12" y="T13"/>
-                </a:cxn>
-                <a:cxn ang="0">
-                  <a:pos x="T14" y="T15"/>
-                </a:cxn>
-                <a:cxn ang="0">
-                  <a:pos x="T16" y="T17"/>
-                </a:cxn>
-                <a:cxn ang="0">
-                  <a:pos x="T18" y="T19"/>
-                </a:cxn>
-                <a:cxn ang="0">
-                  <a:pos x="T20" y="T21"/>
-                </a:cxn>
-                <a:cxn ang="0">
-                  <a:pos x="T22" y="T23"/>
-                </a:cxn>
-                <a:cxn ang="0">
-                  <a:pos x="T24" y="T25"/>
-                </a:cxn>
-              </a:cxnLst>
-              <a:rect l="0" t="0" r="r" b="b"/>
-              <a:pathLst>
-                <a:path w="785" h="692">
-                  <a:moveTo>
-                    <a:pt x="225" y="692"/>
-                  </a:moveTo>
-                  <a:cubicBezTo>
-                    <a:pt x="207" y="692"/>
-                    <a:pt x="185" y="680"/>
-                    <a:pt x="177" y="665"/>
-                  </a:cubicBezTo>
-                  <a:cubicBezTo>
-                    <a:pt x="9" y="374"/>
-                    <a:pt x="9" y="374"/>
-                    <a:pt x="9" y="374"/>
-                  </a:cubicBezTo>
-                  <a:cubicBezTo>
-                    <a:pt x="0" y="358"/>
-                    <a:pt x="0" y="334"/>
-                    <a:pt x="9" y="318"/>
-                  </a:cubicBezTo>
-                  <a:cubicBezTo>
-                    <a:pt x="177" y="27"/>
-                    <a:pt x="177" y="27"/>
-                    <a:pt x="177" y="27"/>
-                  </a:cubicBezTo>
-                  <a:cubicBezTo>
-                    <a:pt x="185" y="12"/>
-                    <a:pt x="207" y="0"/>
-                    <a:pt x="225" y="0"/>
-                  </a:cubicBezTo>
-                  <a:cubicBezTo>
-                    <a:pt x="561" y="0"/>
-                    <a:pt x="561" y="0"/>
-                    <a:pt x="561" y="0"/>
-                  </a:cubicBezTo>
-                  <a:cubicBezTo>
-                    <a:pt x="578" y="0"/>
-                    <a:pt x="600" y="12"/>
-                    <a:pt x="609" y="27"/>
-                  </a:cubicBezTo>
-                  <a:cubicBezTo>
-                    <a:pt x="777" y="318"/>
-                    <a:pt x="777" y="318"/>
-                    <a:pt x="777" y="318"/>
-                  </a:cubicBezTo>
-                  <a:cubicBezTo>
-                    <a:pt x="785" y="334"/>
-                    <a:pt x="785" y="358"/>
-                    <a:pt x="777" y="374"/>
-                  </a:cubicBezTo>
-                  <a:cubicBezTo>
-                    <a:pt x="609" y="665"/>
-                    <a:pt x="609" y="665"/>
-                    <a:pt x="609" y="665"/>
-                  </a:cubicBezTo>
-                  <a:cubicBezTo>
-                    <a:pt x="600" y="680"/>
-                    <a:pt x="578" y="692"/>
-                    <a:pt x="561" y="692"/>
-                  </a:cubicBezTo>
-                  <a:lnTo>
-                    <a:pt x="225" y="692"/>
-                  </a:lnTo>
-                  <a:close/>
-                </a:path>
-              </a:pathLst>
-            </a:custGeom>
-            <a:noFill/>
-            <a:ln w="28575" cmpd="sng">
-              <a:solidFill>
-                <a:schemeClr val="bg1"/>
-              </a:solidFill>
-            </a:ln>
-          </p:spPr>
-          <p:txBody>
-            <a:bodyPr vert="horz" wrap="square" lIns="91440" tIns="45720" rIns="91440" bIns="45720" numCol="1" anchor="t" anchorCtr="0" compatLnSpc="1">
-              <a:prstTxWarp prst="textNoShape">
-                <a:avLst/>
-              </a:prstTxWarp>
-            </a:bodyPr>
-            <a:lstStyle/>
-            <a:p>
-              <a:endParaRPr lang="en-US"/>
-            </a:p>
-          </p:txBody>
-        </p:sp>
-        <p:sp>
-          <p:nvSpPr>
-            <p:cNvPr id="35" name="Freeform 5">
-              <a:extLst>
-                <a:ext uri="{FF2B5EF4-FFF2-40B4-BE49-F238E27FC236}">
-                  <a16:creationId xmlns:a16="http://schemas.microsoft.com/office/drawing/2014/main" id="{196485F7-F277-4123-AC53-98EA4C858774}"/>
-                </a:ext>
-                <a:ext uri="{C183D7F6-B498-43B3-948B-1728B52AA6E4}">
-                  <adec:decorative xmlns:adec="http://schemas.microsoft.com/office/drawing/2017/decorative" val="1"/>
-                </a:ext>
-              </a:extLst>
-            </p:cNvPr>
-            <p:cNvSpPr>
-              <a:spLocks/>
-            </p:cNvSpPr>
-            <p:nvPr>
-              <p:extLst>
-                <p:ext uri="{386F3935-93C4-4BCD-93E2-E3B085C9AB24}">
-                  <p16:designElem xmlns:p16="http://schemas.microsoft.com/office/powerpoint/2015/main" val="1"/>
-                </p:ext>
-              </p:extLst>
-            </p:nvPr>
-          </p:nvSpPr>
-          <p:spPr bwMode="auto">
-            <a:xfrm>
-              <a:off x="1245893" y="1684057"/>
-              <a:ext cx="550492" cy="485306"/>
-            </a:xfrm>
-            <a:custGeom>
-              <a:avLst/>
-              <a:gdLst>
-                <a:gd name="T0" fmla="*/ 225 w 785"/>
-                <a:gd name="T1" fmla="*/ 692 h 692"/>
-                <a:gd name="T2" fmla="*/ 177 w 785"/>
-                <a:gd name="T3" fmla="*/ 665 h 692"/>
-                <a:gd name="T4" fmla="*/ 9 w 785"/>
-                <a:gd name="T5" fmla="*/ 374 h 692"/>
-                <a:gd name="T6" fmla="*/ 9 w 785"/>
-                <a:gd name="T7" fmla="*/ 318 h 692"/>
-                <a:gd name="T8" fmla="*/ 177 w 785"/>
-                <a:gd name="T9" fmla="*/ 27 h 692"/>
-                <a:gd name="T10" fmla="*/ 225 w 785"/>
-                <a:gd name="T11" fmla="*/ 0 h 692"/>
-                <a:gd name="T12" fmla="*/ 561 w 785"/>
-                <a:gd name="T13" fmla="*/ 0 h 692"/>
-                <a:gd name="T14" fmla="*/ 609 w 785"/>
-                <a:gd name="T15" fmla="*/ 27 h 692"/>
-                <a:gd name="T16" fmla="*/ 777 w 785"/>
-                <a:gd name="T17" fmla="*/ 318 h 692"/>
-                <a:gd name="T18" fmla="*/ 777 w 785"/>
-                <a:gd name="T19" fmla="*/ 374 h 692"/>
-                <a:gd name="T20" fmla="*/ 609 w 785"/>
-                <a:gd name="T21" fmla="*/ 665 h 692"/>
-                <a:gd name="T22" fmla="*/ 561 w 785"/>
-                <a:gd name="T23" fmla="*/ 692 h 692"/>
-                <a:gd name="T24" fmla="*/ 225 w 785"/>
-                <a:gd name="T25" fmla="*/ 692 h 692"/>
-              </a:gdLst>
-              <a:ahLst/>
-              <a:cxnLst>
-                <a:cxn ang="0">
-                  <a:pos x="T0" y="T1"/>
-                </a:cxn>
-                <a:cxn ang="0">
-                  <a:pos x="T2" y="T3"/>
-                </a:cxn>
-                <a:cxn ang="0">
-                  <a:pos x="T4" y="T5"/>
-                </a:cxn>
-                <a:cxn ang="0">
-                  <a:pos x="T6" y="T7"/>
-                </a:cxn>
-                <a:cxn ang="0">
-                  <a:pos x="T8" y="T9"/>
-                </a:cxn>
-                <a:cxn ang="0">
-                  <a:pos x="T10" y="T11"/>
-                </a:cxn>
-                <a:cxn ang="0">
-                  <a:pos x="T12" y="T13"/>
-                </a:cxn>
-                <a:cxn ang="0">
-                  <a:pos x="T14" y="T15"/>
-                </a:cxn>
-                <a:cxn ang="0">
-                  <a:pos x="T16" y="T17"/>
-                </a:cxn>
-                <a:cxn ang="0">
-                  <a:pos x="T18" y="T19"/>
-                </a:cxn>
-                <a:cxn ang="0">
-                  <a:pos x="T20" y="T21"/>
-                </a:cxn>
-                <a:cxn ang="0">
-                  <a:pos x="T22" y="T23"/>
-                </a:cxn>
-                <a:cxn ang="0">
-                  <a:pos x="T24" y="T25"/>
-                </a:cxn>
-              </a:cxnLst>
-              <a:rect l="0" t="0" r="r" b="b"/>
-              <a:pathLst>
-                <a:path w="785" h="692">
-                  <a:moveTo>
-                    <a:pt x="225" y="692"/>
-                  </a:moveTo>
-                  <a:cubicBezTo>
-                    <a:pt x="207" y="692"/>
-                    <a:pt x="185" y="680"/>
-                    <a:pt x="177" y="665"/>
-                  </a:cubicBezTo>
-                  <a:cubicBezTo>
-                    <a:pt x="9" y="374"/>
-                    <a:pt x="9" y="374"/>
-                    <a:pt x="9" y="374"/>
-                  </a:cubicBezTo>
-                  <a:cubicBezTo>
-                    <a:pt x="0" y="358"/>
-                    <a:pt x="0" y="334"/>
-                    <a:pt x="9" y="318"/>
-                  </a:cubicBezTo>
-                  <a:cubicBezTo>
-                    <a:pt x="177" y="27"/>
-                    <a:pt x="177" y="27"/>
-                    <a:pt x="177" y="27"/>
-                  </a:cubicBezTo>
-                  <a:cubicBezTo>
-                    <a:pt x="185" y="12"/>
-                    <a:pt x="207" y="0"/>
-                    <a:pt x="225" y="0"/>
-                  </a:cubicBezTo>
-                  <a:cubicBezTo>
-                    <a:pt x="561" y="0"/>
-                    <a:pt x="561" y="0"/>
-                    <a:pt x="561" y="0"/>
-                  </a:cubicBezTo>
-                  <a:cubicBezTo>
-                    <a:pt x="578" y="0"/>
-                    <a:pt x="600" y="12"/>
-                    <a:pt x="609" y="27"/>
-                  </a:cubicBezTo>
-                  <a:cubicBezTo>
-                    <a:pt x="777" y="318"/>
-                    <a:pt x="777" y="318"/>
-                    <a:pt x="777" y="318"/>
-                  </a:cubicBezTo>
-                  <a:cubicBezTo>
-                    <a:pt x="785" y="334"/>
-                    <a:pt x="785" y="358"/>
-                    <a:pt x="777" y="374"/>
-                  </a:cubicBezTo>
-                  <a:cubicBezTo>
-                    <a:pt x="609" y="665"/>
-                    <a:pt x="609" y="665"/>
-                    <a:pt x="609" y="665"/>
-                  </a:cubicBezTo>
-                  <a:cubicBezTo>
-                    <a:pt x="600" y="680"/>
-                    <a:pt x="578" y="692"/>
-                    <a:pt x="561" y="692"/>
-                  </a:cubicBezTo>
-                  <a:lnTo>
-                    <a:pt x="225" y="692"/>
-                  </a:lnTo>
-                  <a:close/>
-                </a:path>
-              </a:pathLst>
-            </a:custGeom>
-            <a:noFill/>
-            <a:ln w="28575" cmpd="sng">
-              <a:solidFill>
-                <a:schemeClr val="bg1"/>
-              </a:solidFill>
-            </a:ln>
-          </p:spPr>
-          <p:txBody>
-            <a:bodyPr vert="horz" wrap="square" lIns="91440" tIns="45720" rIns="91440" bIns="45720" numCol="1" anchor="t" anchorCtr="0" compatLnSpc="1">
-              <a:prstTxWarp prst="textNoShape">
-                <a:avLst/>
-              </a:prstTxWarp>
-            </a:bodyPr>
-            <a:lstStyle/>
-            <a:p>
-              <a:endParaRPr lang="en-US"/>
-            </a:p>
-          </p:txBody>
-        </p:sp>
-      </p:grpSp>
-      <p:sp>
-        <p:nvSpPr>
-          <p:cNvPr id="3" name="Espaço Reservado para Conteúdo 2">
-            <a:extLst>
-              <a:ext uri="{FF2B5EF4-FFF2-40B4-BE49-F238E27FC236}">
-                <a16:creationId xmlns:a16="http://schemas.microsoft.com/office/drawing/2014/main" id="{48DAFA45-A0A4-42EB-90E2-25DDBD84D49F}"/>
-              </a:ext>
-            </a:extLst>
-          </p:cNvPr>
-          <p:cNvSpPr>
-            <a:spLocks noGrp="1"/>
-          </p:cNvSpPr>
-          <p:nvPr>
-            <p:ph idx="1"/>
-          </p:nvPr>
-        </p:nvSpPr>
-        <p:spPr>
-          <a:xfrm>
-            <a:off x="469924" y="2955658"/>
-            <a:ext cx="3582072" cy="3211421"/>
-          </a:xfrm>
-        </p:spPr>
-        <p:txBody>
-          <a:bodyPr vert="horz" lIns="91440" tIns="45720" rIns="91440" bIns="45720" rtlCol="0" anchor="t">
-            <a:normAutofit/>
-          </a:bodyPr>
-          <a:lstStyle/>
-          <a:p>
-            <a:pPr>
-              <a:buNone/>
-            </a:pPr>
-            <a:r>
-              <a:rPr lang="pt-BR" sz="2000">
-                <a:solidFill>
-                  <a:srgbClr val="FFFFFF"/>
-                </a:solidFill>
-                <a:ea typeface="+mn-lt"/>
-                <a:cs typeface="+mn-lt"/>
-              </a:rPr>
-              <a:t>1- Criados dois schemas (db e analytic); </a:t>
-            </a:r>
-            <a:endParaRPr lang="pt-BR" sz="2000" dirty="0">
-              <a:ea typeface="+mn-lt"/>
-              <a:cs typeface="+mn-lt"/>
-            </a:endParaRPr>
-          </a:p>
-          <a:p>
-            <a:pPr lvl="1"/>
-            <a:r>
-              <a:rPr lang="pt-BR" sz="1600">
-                <a:solidFill>
-                  <a:srgbClr val="FFFFFF"/>
-                </a:solidFill>
-                <a:ea typeface="+mn-lt"/>
-                <a:cs typeface="+mn-lt"/>
-              </a:rPr>
-              <a:t>Db (dados brutos)</a:t>
-            </a:r>
-            <a:endParaRPr lang="pt-BR" sz="1600" dirty="0">
-              <a:solidFill>
-                <a:srgbClr val="FFFFFF"/>
-              </a:solidFill>
-              <a:ea typeface="+mn-lt"/>
-              <a:cs typeface="+mn-lt"/>
-            </a:endParaRPr>
-          </a:p>
-          <a:p>
-            <a:pPr lvl="1"/>
-            <a:r>
-              <a:rPr lang="pt-BR" sz="1600">
-                <a:solidFill>
-                  <a:srgbClr val="FFFFFF"/>
-                </a:solidFill>
-                <a:ea typeface="+mn-lt"/>
-                <a:cs typeface="+mn-lt"/>
-              </a:rPr>
-              <a:t>Analityc (três tabelas, duas fato e uma dimensão)</a:t>
-            </a:r>
-            <a:endParaRPr lang="pt-BR" sz="1600" dirty="0">
-              <a:solidFill>
-                <a:srgbClr val="FFFFFF"/>
-              </a:solidFill>
-              <a:ea typeface="+mn-lt"/>
-              <a:cs typeface="+mn-lt"/>
-            </a:endParaRPr>
-          </a:p>
-          <a:p>
-            <a:pPr>
-              <a:buNone/>
-            </a:pPr>
-            <a:endParaRPr lang="pt-BR" sz="2000" dirty="0">
-              <a:solidFill>
-                <a:srgbClr val="000000"/>
-              </a:solidFill>
-              <a:ea typeface="+mn-lt"/>
-              <a:cs typeface="+mn-lt"/>
-            </a:endParaRPr>
-          </a:p>
-          <a:p>
-            <a:pPr>
-              <a:buNone/>
-            </a:pPr>
-            <a:r>
-              <a:rPr lang="pt-BR" sz="2000" dirty="0">
-                <a:solidFill>
-                  <a:srgbClr val="FFFFFF"/>
-                </a:solidFill>
-                <a:ea typeface="+mn-lt"/>
-                <a:cs typeface="+mn-lt"/>
-              </a:rPr>
-              <a:t>2- Procedure para injestão de dados no </a:t>
-            </a:r>
-            <a:r>
-              <a:rPr lang="pt-BR" sz="2000">
-                <a:solidFill>
-                  <a:srgbClr val="FFFFFF"/>
-                </a:solidFill>
-                <a:ea typeface="+mn-lt"/>
-                <a:cs typeface="+mn-lt"/>
-              </a:rPr>
-              <a:t>schema analytic; </a:t>
-            </a:r>
-            <a:endParaRPr lang="pt-BR">
-              <a:cs typeface="Calibri" panose="020F0502020204030204"/>
-            </a:endParaRPr>
-          </a:p>
-        </p:txBody>
-      </p:sp>
-      <p:pic>
-        <p:nvPicPr>
-          <p:cNvPr id="5" name="Imagem 7" descr="Logotipo&#10;&#10;Descrição gerada automaticamente">
-            <a:extLst>
-              <a:ext uri="{FF2B5EF4-FFF2-40B4-BE49-F238E27FC236}">
-                <a16:creationId xmlns:a16="http://schemas.microsoft.com/office/drawing/2014/main" id="{B05D835D-9EF7-4E0F-BB47-1DC68A5DBB52}"/>
-              </a:ext>
-            </a:extLst>
-          </p:cNvPr>
-          <p:cNvPicPr>
-            <a:picLocks noChangeAspect="1"/>
-          </p:cNvPicPr>
-          <p:nvPr/>
-        </p:nvPicPr>
-        <p:blipFill>
-          <a:blip r:embed="rId2"/>
-          <a:stretch>
-            <a:fillRect/>
-          </a:stretch>
-        </p:blipFill>
-        <p:spPr>
-          <a:xfrm>
-            <a:off x="3380077" y="-182058"/>
-            <a:ext cx="1237786" cy="1237786"/>
-          </a:xfrm>
-          <a:prstGeom prst="rect">
-            <a:avLst/>
-          </a:prstGeom>
-        </p:spPr>
-      </p:pic>
-      <p:pic>
-        <p:nvPicPr>
-          <p:cNvPr id="6" name="Imagem 4" descr="Diagrama&#10;&#10;Descrição gerada automaticamente">
-            <a:extLst>
-              <a:ext uri="{FF2B5EF4-FFF2-40B4-BE49-F238E27FC236}">
-                <a16:creationId xmlns:a16="http://schemas.microsoft.com/office/drawing/2014/main" id="{783B1FE3-952C-4A97-BA69-A45190166F74}"/>
-              </a:ext>
-            </a:extLst>
-          </p:cNvPr>
-          <p:cNvPicPr>
-            <a:picLocks noChangeAspect="1"/>
-          </p:cNvPicPr>
-          <p:nvPr/>
-        </p:nvPicPr>
-        <p:blipFill>
-          <a:blip r:embed="rId3"/>
-          <a:stretch>
-            <a:fillRect/>
-          </a:stretch>
-        </p:blipFill>
-        <p:spPr>
-          <a:xfrm>
-            <a:off x="4886543" y="2825749"/>
-            <a:ext cx="7133790" cy="3196432"/>
-          </a:xfrm>
-          <a:prstGeom prst="rect">
-            <a:avLst/>
-          </a:prstGeom>
-        </p:spPr>
-      </p:pic>
-      <p:pic>
-        <p:nvPicPr>
-          <p:cNvPr id="7" name="Imagem 8" descr="Interface gráfica do usuário, Texto, Aplicativo&#10;&#10;Descrição gerada automaticamente">
-            <a:extLst>
-              <a:ext uri="{FF2B5EF4-FFF2-40B4-BE49-F238E27FC236}">
-                <a16:creationId xmlns:a16="http://schemas.microsoft.com/office/drawing/2014/main" id="{05670DF5-5858-44BE-AC90-A95D999DA92A}"/>
-              </a:ext>
-            </a:extLst>
-          </p:cNvPr>
-          <p:cNvPicPr>
-            <a:picLocks noChangeAspect="1"/>
-          </p:cNvPicPr>
-          <p:nvPr/>
-        </p:nvPicPr>
-        <p:blipFill>
-          <a:blip r:embed="rId4"/>
-          <a:stretch>
-            <a:fillRect/>
-          </a:stretch>
-        </p:blipFill>
-        <p:spPr>
-          <a:xfrm>
-            <a:off x="5629276" y="375835"/>
-            <a:ext cx="5660230" cy="1903423"/>
-          </a:xfrm>
-          <a:prstGeom prst="rect">
-            <a:avLst/>
-          </a:prstGeom>
-        </p:spPr>
-      </p:pic>
-    </p:spTree>
-    <p:extLst>
-      <p:ext uri="{BB962C8B-B14F-4D97-AF65-F5344CB8AC3E}">
-        <p14:creationId xmlns:p14="http://schemas.microsoft.com/office/powerpoint/2010/main" val="1377711742"/>
-      </p:ext>
-    </p:extLst>
-  </p:cSld>
-  <p:clrMapOvr>
-    <a:masterClrMapping/>
-  </p:clrMapOvr>
-  <p:transition spd="slow">
-    <p:push dir="u"/>
-  </p:transition>
-  <p:timing>
-    <p:tnLst>
-      <p:par>
-        <p:cTn id="1" dur="indefinite" restart="never" nodeType="tmRoot">
-          <p:childTnLst>
-            <p:seq concurrent="1" nextAc="seek">
-              <p:cTn id="2" dur="indefinite" nodeType="mainSeq">
-                <p:childTnLst>
-                  <p:par>
-                    <p:cTn id="3" fill="hold">
-                      <p:stCondLst>
-                        <p:cond delay="indefinite"/>
-                      </p:stCondLst>
-                      <p:childTnLst>
-                        <p:par>
-                          <p:cTn id="4" fill="hold">
-                            <p:stCondLst>
-                              <p:cond delay="0"/>
-                            </p:stCondLst>
-                            <p:childTnLst>
-                              <p:par>
-                                <p:cTn id="5" presetID="55" presetClass="entr" presetSubtype="0" fill="hold" nodeType="clickEffect">
-                                  <p:stCondLst>
-                                    <p:cond delay="0"/>
-                                  </p:stCondLst>
-                                  <p:childTnLst>
-                                    <p:set>
-                                      <p:cBhvr>
-                                        <p:cTn id="6" dur="1" fill="hold">
-                                          <p:stCondLst>
-                                            <p:cond delay="0"/>
-                                          </p:stCondLst>
-                                        </p:cTn>
-                                        <p:tgtEl>
-                                          <p:spTgt spid="7"/>
-                                        </p:tgtEl>
-                                        <p:attrNameLst>
-                                          <p:attrName>style.visibility</p:attrName>
-                                        </p:attrNameLst>
-                                      </p:cBhvr>
-                                      <p:to>
-                                        <p:strVal val="visible"/>
-                                      </p:to>
-                                    </p:set>
-                                    <p:anim calcmode="lin" valueType="num">
-                                      <p:cBhvr>
-                                        <p:cTn id="7" dur="1000" fill="hold"/>
-                                        <p:tgtEl>
-                                          <p:spTgt spid="7"/>
-                                        </p:tgtEl>
-                                        <p:attrNameLst>
-                                          <p:attrName>ppt_w</p:attrName>
-                                        </p:attrNameLst>
-                                      </p:cBhvr>
-                                      <p:tavLst>
-                                        <p:tav tm="0">
-                                          <p:val>
-                                            <p:strVal val="#ppt_w*0.70"/>
-                                          </p:val>
-                                        </p:tav>
-                                        <p:tav tm="100000">
-                                          <p:val>
-                                            <p:strVal val="#ppt_w"/>
-                                          </p:val>
-                                        </p:tav>
-                                      </p:tavLst>
-                                    </p:anim>
-                                    <p:anim calcmode="lin" valueType="num">
-                                      <p:cBhvr>
-                                        <p:cTn id="8" dur="1000" fill="hold"/>
-                                        <p:tgtEl>
-                                          <p:spTgt spid="7"/>
-                                        </p:tgtEl>
-                                        <p:attrNameLst>
-                                          <p:attrName>ppt_h</p:attrName>
-                                        </p:attrNameLst>
-                                      </p:cBhvr>
-                                      <p:tavLst>
-                                        <p:tav tm="0">
-                                          <p:val>
-                                            <p:strVal val="#ppt_h"/>
-                                          </p:val>
-                                        </p:tav>
-                                        <p:tav tm="100000">
-                                          <p:val>
-                                            <p:strVal val="#ppt_h"/>
-                                          </p:val>
-                                        </p:tav>
-                                      </p:tavLst>
-                                    </p:anim>
-                                    <p:animEffect transition="in" filter="fade">
-                                      <p:cBhvr>
-                                        <p:cTn id="9" dur="1000"/>
-                                        <p:tgtEl>
-                                          <p:spTgt spid="7"/>
-                                        </p:tgtEl>
-                                      </p:cBhvr>
-                                    </p:animEffect>
-                                  </p:childTnLst>
-                                </p:cTn>
-                              </p:par>
-                            </p:childTnLst>
-                          </p:cTn>
-                        </p:par>
-                      </p:childTnLst>
-                    </p:cTn>
-                  </p:par>
-                  <p:par>
-                    <p:cTn id="10" fill="hold">
-                      <p:stCondLst>
-                        <p:cond delay="indefinite"/>
-                      </p:stCondLst>
-                      <p:childTnLst>
-                        <p:par>
-                          <p:cTn id="11" fill="hold">
-                            <p:stCondLst>
-                              <p:cond delay="0"/>
-                            </p:stCondLst>
-                            <p:childTnLst>
-                              <p:par>
-                                <p:cTn id="12" presetID="55" presetClass="entr" presetSubtype="0" fill="hold" nodeType="clickEffect">
-                                  <p:stCondLst>
-                                    <p:cond delay="0"/>
-                                  </p:stCondLst>
-                                  <p:childTnLst>
-                                    <p:set>
-                                      <p:cBhvr>
-                                        <p:cTn id="13" dur="1" fill="hold">
-                                          <p:stCondLst>
-                                            <p:cond delay="0"/>
-                                          </p:stCondLst>
-                                        </p:cTn>
-                                        <p:tgtEl>
-                                          <p:spTgt spid="6"/>
-                                        </p:tgtEl>
-                                        <p:attrNameLst>
-                                          <p:attrName>style.visibility</p:attrName>
-                                        </p:attrNameLst>
-                                      </p:cBhvr>
-                                      <p:to>
-                                        <p:strVal val="visible"/>
-                                      </p:to>
-                                    </p:set>
-                                    <p:anim calcmode="lin" valueType="num">
-                                      <p:cBhvr>
-                                        <p:cTn id="14" dur="1000" fill="hold"/>
-                                        <p:tgtEl>
-                                          <p:spTgt spid="6"/>
-                                        </p:tgtEl>
-                                        <p:attrNameLst>
-                                          <p:attrName>ppt_w</p:attrName>
-                                        </p:attrNameLst>
-                                      </p:cBhvr>
-                                      <p:tavLst>
-                                        <p:tav tm="0">
-                                          <p:val>
-                                            <p:strVal val="#ppt_w*0.70"/>
-                                          </p:val>
-                                        </p:tav>
-                                        <p:tav tm="100000">
-                                          <p:val>
-                                            <p:strVal val="#ppt_w"/>
-                                          </p:val>
-                                        </p:tav>
-                                      </p:tavLst>
-                                    </p:anim>
-                                    <p:anim calcmode="lin" valueType="num">
-                                      <p:cBhvr>
-                                        <p:cTn id="15" dur="1000" fill="hold"/>
-                                        <p:tgtEl>
-                                          <p:spTgt spid="6"/>
-                                        </p:tgtEl>
-                                        <p:attrNameLst>
-                                          <p:attrName>ppt_h</p:attrName>
-                                        </p:attrNameLst>
-                                      </p:cBhvr>
-                                      <p:tavLst>
-                                        <p:tav tm="0">
-                                          <p:val>
-                                            <p:strVal val="#ppt_h"/>
-                                          </p:val>
-                                        </p:tav>
-                                        <p:tav tm="100000">
-                                          <p:val>
-                                            <p:strVal val="#ppt_h"/>
-                                          </p:val>
-                                        </p:tav>
-                                      </p:tavLst>
-                                    </p:anim>
-                                    <p:animEffect transition="in" filter="fade">
-                                      <p:cBhvr>
-                                        <p:cTn id="16" dur="1000"/>
-                                        <p:tgtEl>
-                                          <p:spTgt spid="6"/>
-                                        </p:tgtEl>
-                                      </p:cBhvr>
-                                    </p:animEffect>
-                                  </p:childTnLst>
-                                </p:cTn>
-                              </p:par>
-                            </p:childTnLst>
-                          </p:cTn>
-                        </p:par>
-                      </p:childTnLst>
-                    </p:cTn>
-                  </p:par>
-                </p:childTnLst>
-              </p:cTn>
-              <p:prevCondLst>
-                <p:cond evt="onPrev" delay="0">
-                  <p:tgtEl>
-                    <p:sldTgt/>
-                  </p:tgtEl>
-                </p:cond>
-              </p:prevCondLst>
-              <p:nextCondLst>
-                <p:cond evt="onNext" delay="0">
-                  <p:tgtEl>
-                    <p:sldTgt/>
-                  </p:tgtEl>
-                </p:cond>
-              </p:nextCondLst>
-            </p:seq>
-          </p:childTnLst>
-        </p:cTn>
-      </p:par>
-    </p:tnLst>
-  </p:timing>
-</p:sld>
-</file>
-
 <file path=ppt/theme/theme1.xml><?xml version="1.0" encoding="utf-8"?>
 <a:theme xmlns:a="http://schemas.openxmlformats.org/drawingml/2006/main" name="Tema do Office">
   <a:themeElements>

--- a/Pag apresentação.pptx
+++ b/Pag apresentação.pptx
@@ -127,7 +127,7 @@
 <p1510:revInfo xmlns:a="http://schemas.openxmlformats.org/drawingml/2006/main" xmlns:r="http://schemas.openxmlformats.org/officeDocument/2006/relationships" xmlns:p1510="http://schemas.microsoft.com/office/powerpoint/2015/10/main">
   <p1510:revLst>
     <p1510:client id="{241663F2-E587-29E9-0CD4-E55E5B893816}" v="3" dt="2021-08-13T18:57:45.651"/>
-    <p1510:client id="{35E7CFD2-7AD2-3A05-6968-A057ED561726}" v="3" dt="2021-08-18T11:31:44.858"/>
+    <p1510:client id="{35E7CFD2-7AD2-3A05-6968-A057ED561726}" v="139" dt="2021-08-18T16:44:14.898"/>
     <p1510:client id="{AD87CF13-EA30-84B4-2814-60964BD61078}" v="4742" dt="2021-08-16T18:28:41.821"/>
     <p1510:client id="{C3BC8BE6-0986-C9C8-A619-97DBCC1AFF7D}" v="37" dt="2021-08-17T15:31:22.540"/>
     <p1510:client id="{F137F3EE-CB81-45A2-A73F-E24C2B5C6AA2}" v="21" dt="2021-08-11T18:13:15.530"/>
@@ -4466,7 +4466,7 @@
                 <a:ea typeface="+mn-lt"/>
                 <a:cs typeface="+mn-lt"/>
               </a:rPr>
-              <a:t>Db (dados brutos)</a:t>
+              <a:t>db (dados brutos)</a:t>
             </a:r>
             <a:endParaRPr lang="pt-BR" sz="1600" dirty="0">
               <a:solidFill>
@@ -4513,6 +4513,16 @@
               <a:buNone/>
             </a:pPr>
             <a:r>
+              <a:rPr lang="pt-BR" sz="2000">
+                <a:solidFill>
+                  <a:srgbClr val="FFFFFF"/>
+                </a:solidFill>
+                <a:ea typeface="+mn-lt"/>
+                <a:cs typeface="+mn-lt"/>
+              </a:rPr>
+              <a:t>2- Procedure para ingestão de </a:t>
+            </a:r>
+            <a:r>
               <a:rPr lang="pt-BR" sz="2000" dirty="0">
                 <a:solidFill>
                   <a:srgbClr val="FFFFFF"/>
@@ -4520,19 +4530,9 @@
                 <a:ea typeface="+mn-lt"/>
                 <a:cs typeface="+mn-lt"/>
               </a:rPr>
-              <a:t>2- Procedure para injestão de dados no </a:t>
+              <a:t>dados no schema analytic; </a:t>
             </a:r>
-            <a:r>
-              <a:rPr lang="pt-BR" sz="2000">
-                <a:solidFill>
-                  <a:srgbClr val="FFFFFF"/>
-                </a:solidFill>
-                <a:ea typeface="+mn-lt"/>
-                <a:cs typeface="+mn-lt"/>
-              </a:rPr>
-              <a:t>schema analytic; </a:t>
-            </a:r>
-            <a:endParaRPr lang="pt-BR">
+            <a:endParaRPr lang="pt-BR" dirty="0">
               <a:cs typeface="Calibri" panose="020F0502020204030204"/>
             </a:endParaRPr>
           </a:p>
@@ -5521,7 +5521,7 @@
                 <a:ea typeface="+mn-lt"/>
                 <a:cs typeface="+mn-lt"/>
               </a:rPr>
-              <a:t>Por fim, os dados foram carregados e tratados na </a:t>
+              <a:t>Por fim, os dados foram carregados e tratados na camada visual </a:t>
             </a:r>
             <a:r>
               <a:rPr lang="pt-BR" sz="2000">
@@ -5531,7 +5531,7 @@
                 <a:ea typeface="+mn-lt"/>
                 <a:cs typeface="+mn-lt"/>
               </a:rPr>
-              <a:t>camada visual para visualização e análise: </a:t>
+              <a:t>para análise: </a:t>
             </a:r>
             <a:endParaRPr lang="pt-BR"/>
           </a:p>
@@ -5599,10 +5599,10 @@
       </p:pic>
       <p:pic>
         <p:nvPicPr>
-          <p:cNvPr id="9" name="Imagem 18" descr="Gráfico&#10;&#10;Descrição gerada automaticamente">
+          <p:cNvPr id="5" name="Imagem 5" descr="Interface gráfica do usuário, Site&#10;&#10;Descrição gerada automaticamente">
             <a:extLst>
               <a:ext uri="{FF2B5EF4-FFF2-40B4-BE49-F238E27FC236}">
-                <a16:creationId xmlns:a16="http://schemas.microsoft.com/office/drawing/2014/main" id="{0C20035C-8BCB-464A-A1E8-66E521960F15}"/>
+                <a16:creationId xmlns:a16="http://schemas.microsoft.com/office/drawing/2014/main" id="{A11F766E-260E-4510-B7C2-279D00D90FD0}"/>
               </a:ext>
             </a:extLst>
           </p:cNvPr>
@@ -5619,8 +5619,8 @@
         </p:blipFill>
         <p:spPr>
           <a:xfrm>
-            <a:off x="5329445" y="1435021"/>
-            <a:ext cx="6423306" cy="3613778"/>
+            <a:off x="5235497" y="1148802"/>
+            <a:ext cx="6418032" cy="3616553"/>
           </a:xfrm>
           <a:prstGeom prst="rect">
             <a:avLst/>
@@ -5629,10 +5629,10 @@
       </p:pic>
       <p:pic>
         <p:nvPicPr>
-          <p:cNvPr id="10" name="Imagem 15" descr="Interface gráfica do usuário, Site&#10;&#10;Descrição gerada automaticamente">
+          <p:cNvPr id="6" name="Imagem 6" descr="Gráfico&#10;&#10;Descrição gerada automaticamente">
             <a:extLst>
               <a:ext uri="{FF2B5EF4-FFF2-40B4-BE49-F238E27FC236}">
-                <a16:creationId xmlns:a16="http://schemas.microsoft.com/office/drawing/2014/main" id="{6FB9E7FD-AB9B-47EB-9B45-FAA99FC02164}"/>
+                <a16:creationId xmlns:a16="http://schemas.microsoft.com/office/drawing/2014/main" id="{2B40826C-B45F-49EB-93A8-4CC2D7F3F480}"/>
               </a:ext>
             </a:extLst>
           </p:cNvPr>
@@ -5649,8 +5649,8 @@
         </p:blipFill>
         <p:spPr>
           <a:xfrm>
-            <a:off x="5832299" y="3185156"/>
-            <a:ext cx="6302503" cy="3546231"/>
+            <a:off x="5597913" y="2792335"/>
+            <a:ext cx="6469566" cy="3605793"/>
           </a:xfrm>
           <a:prstGeom prst="rect">
             <a:avLst/>
@@ -5795,7 +5795,7 @@
                                           </p:stCondLst>
                                         </p:cTn>
                                         <p:tgtEl>
-                                          <p:spTgt spid="9"/>
+                                          <p:spTgt spid="5"/>
                                         </p:tgtEl>
                                         <p:attrNameLst>
                                           <p:attrName>style.visibility</p:attrName>
@@ -5809,7 +5809,7 @@
                                       <p:cBhvr additive="base">
                                         <p:cTn id="13" dur="500" fill="hold"/>
                                         <p:tgtEl>
-                                          <p:spTgt spid="9"/>
+                                          <p:spTgt spid="5"/>
                                         </p:tgtEl>
                                         <p:attrNameLst>
                                           <p:attrName>ppt_x</p:attrName>
@@ -5832,7 +5832,7 @@
                                       <p:cBhvr additive="base">
                                         <p:cTn id="14" dur="500" fill="hold"/>
                                         <p:tgtEl>
-                                          <p:spTgt spid="9"/>
+                                          <p:spTgt spid="5"/>
                                         </p:tgtEl>
                                         <p:attrNameLst>
                                           <p:attrName>ppt_y</p:attrName>
@@ -5886,7 +5886,7 @@
                                           </p:stCondLst>
                                         </p:cTn>
                                         <p:tgtEl>
-                                          <p:spTgt spid="10"/>
+                                          <p:spTgt spid="6"/>
                                         </p:tgtEl>
                                         <p:attrNameLst>
                                           <p:attrName>style.visibility</p:attrName>
@@ -5900,7 +5900,7 @@
                                       <p:cBhvr additive="base">
                                         <p:cTn id="19" dur="500" fill="hold"/>
                                         <p:tgtEl>
-                                          <p:spTgt spid="10"/>
+                                          <p:spTgt spid="6"/>
                                         </p:tgtEl>
                                         <p:attrNameLst>
                                           <p:attrName>ppt_x</p:attrName>
@@ -5923,7 +5923,7 @@
                                       <p:cBhvr additive="base">
                                         <p:cTn id="20" dur="500" fill="hold"/>
                                         <p:tgtEl>
-                                          <p:spTgt spid="10"/>
+                                          <p:spTgt spid="6"/>
                                         </p:tgtEl>
                                         <p:attrNameLst>
                                           <p:attrName>ppt_y</p:attrName>
@@ -6445,15 +6445,98 @@
             <a:pPr algn="just"/>
             <a:r>
               <a:rPr lang="en-US" sz="2300" b="1" kern="1200">
-                <a:latin typeface="+mj-lt"/>
-                <a:ea typeface="+mj-ea"/>
-                <a:cs typeface="+mj-cs"/>
+                <a:ea typeface="+mj-lt"/>
+                <a:cs typeface="+mj-lt"/>
               </a:rPr>
-              <a:t>PagSeguro é uma empresa brasileira de pagamentos online que oferece diferentes tipos de maquininhas de cartão no Brasil. Além disso, a PagSeguro conta com o serviço de banco digital PagBank com rendimento superior ao da poupança.</a:t>
+              <a:t>PagSeguro é uma empresa brasileira de</a:t>
             </a:r>
-            <a:endParaRPr lang="pt-BR">
-              <a:ea typeface="+mj-ea"/>
-              <a:cs typeface="+mj-cs"/>
+            <a:r>
+              <a:rPr lang="en-US" sz="2300" b="1">
+                <a:ea typeface="+mj-lt"/>
+                <a:cs typeface="+mj-lt"/>
+              </a:rPr>
+              <a:t> </a:t>
+            </a:r>
+            <a:r>
+              <a:rPr lang="en-US" sz="2300" b="1" kern="1200">
+                <a:ea typeface="+mj-lt"/>
+                <a:cs typeface="+mj-lt"/>
+              </a:rPr>
+              <a:t>pagamentos online que oferece diferentes</a:t>
+            </a:r>
+            <a:r>
+              <a:rPr lang="en-US" sz="2300" b="1">
+                <a:ea typeface="+mj-lt"/>
+                <a:cs typeface="+mj-lt"/>
+              </a:rPr>
+              <a:t> </a:t>
+            </a:r>
+            <a:r>
+              <a:rPr lang="en-US" sz="2300" b="1" kern="1200">
+                <a:ea typeface="+mj-lt"/>
+                <a:cs typeface="+mj-lt"/>
+              </a:rPr>
+              <a:t>tipos de maquininhas de cartão no</a:t>
+            </a:r>
+            <a:r>
+              <a:rPr lang="en-US" sz="2300" b="1">
+                <a:ea typeface="+mj-lt"/>
+                <a:cs typeface="+mj-lt"/>
+              </a:rPr>
+              <a:t> </a:t>
+            </a:r>
+            <a:r>
+              <a:rPr lang="en-US" sz="2300" b="1" kern="1200">
+                <a:ea typeface="+mj-lt"/>
+                <a:cs typeface="+mj-lt"/>
+              </a:rPr>
+              <a:t>Brasil</a:t>
+            </a:r>
+            <a:r>
+              <a:rPr lang="en-US" sz="2300" b="1">
+                <a:ea typeface="+mj-lt"/>
+                <a:cs typeface="+mj-lt"/>
+              </a:rPr>
+              <a:t>, além </a:t>
+            </a:r>
+            <a:r>
+              <a:rPr lang="en-US" sz="2300" b="1" kern="1200">
+                <a:ea typeface="+mj-lt"/>
+                <a:cs typeface="+mj-lt"/>
+              </a:rPr>
+              <a:t>disso, a PagSeguro conta com o</a:t>
+            </a:r>
+            <a:r>
+              <a:rPr lang="en-US" sz="2300" b="1">
+                <a:ea typeface="+mj-lt"/>
+                <a:cs typeface="+mj-lt"/>
+              </a:rPr>
+              <a:t> </a:t>
+            </a:r>
+            <a:r>
+              <a:rPr lang="en-US" sz="2300" b="1" kern="1200">
+                <a:ea typeface="+mj-lt"/>
+                <a:cs typeface="+mj-lt"/>
+              </a:rPr>
+              <a:t>serviço de banco digital PagBank com</a:t>
+            </a:r>
+            <a:r>
+              <a:rPr lang="en-US" sz="2300" b="1">
+                <a:ea typeface="+mj-lt"/>
+                <a:cs typeface="+mj-lt"/>
+              </a:rPr>
+              <a:t> </a:t>
+            </a:r>
+            <a:r>
+              <a:rPr lang="en-US" sz="2300" b="1" kern="1200">
+                <a:ea typeface="+mj-lt"/>
+                <a:cs typeface="+mj-lt"/>
+              </a:rPr>
+              <a:t>rendimento superior ao da poupança.</a:t>
+            </a:r>
+            <a:endParaRPr lang="pt-BR" b="1">
+              <a:ea typeface="+mj-lt"/>
+              <a:cs typeface="+mj-lt"/>
             </a:endParaRPr>
           </a:p>
         </p:txBody>
@@ -9646,7 +9729,7 @@
                 </a:solidFill>
                 <a:cs typeface="Calibri"/>
               </a:rPr>
-              <a:t>Coletar dados fictícios da web. </a:t>
+              <a:t>Coletar dados fictícios da web (Kaggle). </a:t>
             </a:r>
             <a:endParaRPr lang="pt-BR" sz="2000" dirty="0">
               <a:solidFill>
@@ -10589,7 +10672,7 @@
                 <a:ea typeface="+mn-lt"/>
                 <a:cs typeface="+mn-lt"/>
               </a:rPr>
-              <a:t> os dados no banco de dados.</a:t>
+              <a:t> os dados em um banco de dados.</a:t>
             </a:r>
             <a:endParaRPr lang="pt-BR" sz="2000">
               <a:solidFill>
@@ -14125,111 +14208,33 @@
         </p:spPr>
         <p:txBody>
           <a:bodyPr anchor="t">
-            <a:normAutofit/>
+            <a:normAutofit fontScale="90000"/>
           </a:bodyPr>
           <a:lstStyle/>
           <a:p>
             <a:r>
-              <a:rPr lang="pt-BR" sz="4000" b="1">
-                <a:solidFill>
-                  <a:schemeClr val="bg1"/>
-                </a:solidFill>
-                <a:cs typeface="Calibri Light"/>
-              </a:rPr>
-              <a:t>Decisões a serem tomadas:</a:t>
-            </a:r>
-          </a:p>
-        </p:txBody>
-      </p:sp>
-      <p:sp>
-        <p:nvSpPr>
-          <p:cNvPr id="3" name="Espaço Reservado para Conteúdo 2">
-            <a:extLst>
-              <a:ext uri="{FF2B5EF4-FFF2-40B4-BE49-F238E27FC236}">
-                <a16:creationId xmlns:a16="http://schemas.microsoft.com/office/drawing/2014/main" id="{48DAFA45-A0A4-42EB-90E2-25DDBD84D49F}"/>
-              </a:ext>
-            </a:extLst>
-          </p:cNvPr>
-          <p:cNvSpPr>
-            <a:spLocks noGrp="1"/>
-          </p:cNvSpPr>
-          <p:nvPr>
-            <p:ph idx="1"/>
-          </p:nvPr>
-        </p:nvSpPr>
-        <p:spPr>
-          <a:xfrm>
-            <a:off x="838201" y="3146400"/>
-            <a:ext cx="4394200" cy="2454300"/>
-          </a:xfrm>
-        </p:spPr>
-        <p:txBody>
-          <a:bodyPr vert="horz" lIns="91440" tIns="45720" rIns="91440" bIns="45720" rtlCol="0">
-            <a:normAutofit/>
-          </a:bodyPr>
-          <a:lstStyle/>
-          <a:p>
-            <a:pPr>
-              <a:buNone/>
-            </a:pPr>
-            <a:r>
-              <a:rPr lang="pt-BR" sz="2400">
+              <a:rPr lang="pt-BR" sz="4000">
                 <a:solidFill>
                   <a:schemeClr val="bg1">
                     <a:alpha val="80000"/>
                   </a:schemeClr>
                 </a:solidFill>
-                <a:ea typeface="+mn-lt"/>
-                <a:cs typeface="+mn-lt"/>
+                <a:latin typeface="Calibri"/>
+                <a:cs typeface="Calibri"/>
               </a:rPr>
-              <a:t>Decidir como utilizar cada tecnologia para que o projeto se tornasse eficiente e funcional foi um dos maiores desafios!</a:t>
+              <a:t>Decidir como utilizar cada tecnologia para que o projeto se tornasse eficiente e funcional foi um dos maiores desafios!</a:t>
             </a:r>
-            <a:endParaRPr lang="pt-BR" sz="2400">
-              <a:solidFill>
-                <a:schemeClr val="bg1">
-                  <a:alpha val="80000"/>
-                </a:schemeClr>
-              </a:solidFill>
-              <a:cs typeface="Calibri" panose="020F0502020204030204"/>
+            <a:endParaRPr lang="pt-BR" sz="4000">
+              <a:ea typeface="+mj-lt"/>
+              <a:cs typeface="+mj-lt"/>
             </a:endParaRPr>
           </a:p>
           <a:p>
-            <a:pPr marL="0" indent="0">
-              <a:buNone/>
-            </a:pPr>
-            <a:endParaRPr lang="pt-BR" sz="2400">
+            <a:endParaRPr lang="pt-BR" sz="4000" b="1" dirty="0">
               <a:solidFill>
-                <a:schemeClr val="bg1">
-                  <a:alpha val="80000"/>
-                </a:schemeClr>
+                <a:schemeClr val="bg1"/>
               </a:solidFill>
-              <a:cs typeface="Calibri" panose="020F0502020204030204"/>
-            </a:endParaRPr>
-          </a:p>
-          <a:p>
-            <a:pPr marL="0" indent="0">
-              <a:buNone/>
-            </a:pPr>
-            <a:endParaRPr lang="pt-BR" sz="2400">
-              <a:solidFill>
-                <a:schemeClr val="bg1">
-                  <a:alpha val="80000"/>
-                </a:schemeClr>
-              </a:solidFill>
-              <a:cs typeface="Calibri" panose="020F0502020204030204"/>
-            </a:endParaRPr>
-          </a:p>
-          <a:p>
-            <a:pPr marL="0" indent="0">
-              <a:buNone/>
-            </a:pPr>
-            <a:endParaRPr lang="pt-BR" sz="2400">
-              <a:solidFill>
-                <a:schemeClr val="bg1">
-                  <a:alpha val="80000"/>
-                </a:schemeClr>
-              </a:solidFill>
-              <a:cs typeface="Calibri" panose="020F0502020204030204"/>
+              <a:cs typeface="Calibri Light"/>
             </a:endParaRPr>
           </a:p>
         </p:txBody>
@@ -19246,7 +19251,7 @@
                 <a:rPr lang="pt-BR" sz="1400">
                   <a:cs typeface="Calibri"/>
                 </a:rPr>
-                <a:t>Injestão de dados no banco.</a:t>
+                <a:t>Ingestão de dados no banco.</a:t>
               </a:r>
               <a:endParaRPr lang="pt-BR" sz="1400" dirty="0">
                 <a:cs typeface="Calibri"/>
@@ -21341,7 +21346,7 @@
                 <a:ea typeface="+mn-lt"/>
                 <a:cs typeface="+mn-lt"/>
               </a:rPr>
-              <a:t>3- Injestão de dados no banco.</a:t>
+              <a:t>3- Ingestão de dados no banco.</a:t>
             </a:r>
             <a:endParaRPr lang="pt-BR">
               <a:solidFill>
@@ -21404,8 +21409,8 @@
         </p:blipFill>
         <p:spPr>
           <a:xfrm>
-            <a:off x="4808034" y="333942"/>
-            <a:ext cx="7110760" cy="2984140"/>
+            <a:off x="5458521" y="73747"/>
+            <a:ext cx="5949175" cy="2500921"/>
           </a:xfrm>
           <a:prstGeom prst="rect">
             <a:avLst/>
@@ -21414,10 +21419,10 @@
       </p:pic>
       <p:pic>
         <p:nvPicPr>
-          <p:cNvPr id="14" name="Imagem 14" descr="Gráfico, Gráfico de cascata&#10;&#10;Descrição gerada automaticamente">
+          <p:cNvPr id="9" name="Imagem 9">
             <a:extLst>
               <a:ext uri="{FF2B5EF4-FFF2-40B4-BE49-F238E27FC236}">
-                <a16:creationId xmlns:a16="http://schemas.microsoft.com/office/drawing/2014/main" id="{16AEC216-F244-4FD2-831C-86780E8A15D2}"/>
+                <a16:creationId xmlns:a16="http://schemas.microsoft.com/office/drawing/2014/main" id="{708E301A-55FC-45AE-AC80-D4A86BCA1485}"/>
               </a:ext>
             </a:extLst>
           </p:cNvPr>
@@ -21434,8 +21439,8 @@
         </p:blipFill>
         <p:spPr>
           <a:xfrm>
-            <a:off x="4956716" y="5171442"/>
-            <a:ext cx="6906321" cy="1551752"/>
+            <a:off x="5412058" y="2772923"/>
+            <a:ext cx="5912004" cy="2222837"/>
           </a:xfrm>
           <a:prstGeom prst="rect">
             <a:avLst/>
@@ -21444,10 +21449,10 @@
       </p:pic>
       <p:pic>
         <p:nvPicPr>
-          <p:cNvPr id="15" name="Imagem 15" descr="Texto, chat ou mensagem de texto&#10;&#10;Descrição gerada automaticamente">
+          <p:cNvPr id="11" name="Imagem 11" descr="Uma imagem contendo Interface gráfica do usuário&#10;&#10;Descrição gerada automaticamente">
             <a:extLst>
               <a:ext uri="{FF2B5EF4-FFF2-40B4-BE49-F238E27FC236}">
-                <a16:creationId xmlns:a16="http://schemas.microsoft.com/office/drawing/2014/main" id="{3D2BE359-684E-4095-B548-16C2ADDCB6D1}"/>
+                <a16:creationId xmlns:a16="http://schemas.microsoft.com/office/drawing/2014/main" id="{DEEB7515-3468-4D4F-8BD7-1D1E2ACA3D88}"/>
               </a:ext>
             </a:extLst>
           </p:cNvPr>
@@ -21464,8 +21469,8 @@
         </p:blipFill>
         <p:spPr>
           <a:xfrm>
-            <a:off x="5793059" y="3462964"/>
-            <a:ext cx="5373029" cy="1604757"/>
+            <a:off x="4835912" y="5416292"/>
+            <a:ext cx="7194395" cy="829735"/>
           </a:xfrm>
           <a:prstGeom prst="rect">
             <a:avLst/>
@@ -21564,7 +21569,7 @@
                                           </p:stCondLst>
                                         </p:cTn>
                                         <p:tgtEl>
-                                          <p:spTgt spid="15"/>
+                                          <p:spTgt spid="9"/>
                                         </p:tgtEl>
                                         <p:attrNameLst>
                                           <p:attrName>style.visibility</p:attrName>
@@ -21609,7 +21614,7 @@
                                           </p:stCondLst>
                                         </p:cTn>
                                         <p:tgtEl>
-                                          <p:spTgt spid="14"/>
+                                          <p:spTgt spid="11"/>
                                         </p:tgtEl>
                                         <p:attrNameLst>
                                           <p:attrName>style.visibility</p:attrName>
